--- a/reference.pptx
+++ b/reference.pptx
@@ -11,13 +11,8 @@
     <p:sldId id="259" r:id="rId5"/>
     <p:sldId id="260" r:id="rId6"/>
     <p:sldId id="261" r:id="rId7"/>
-    <p:sldId id="262" r:id="rId8"/>
-    <p:sldId id="263" r:id="rId9"/>
-    <p:sldId id="264" r:id="rId10"/>
-    <p:sldId id="265" r:id="rId11"/>
-    <p:sldId id="266" r:id="rId12"/>
   </p:sldIdLst>
-  <p:sldSz cx="9144000" cy="6858000" type="screen4x3"/>
+  <p:sldSz cx="12192000" cy="6858000"/>
   <p:notesSz cx="6858000" cy="9144000"/>
   <p:defaultTextStyle>
     <a:defPPr>
@@ -117,12 +112,12 @@
   <p:extLst>
     <p:ext uri="{EFAFB233-063F-42B5-8137-9DF3F51BA10A}">
       <p15:sldGuideLst xmlns:p15="http://schemas.microsoft.com/office/powerpoint/2012/main">
-        <p15:guide id="1" orient="horz" pos="2160">
+        <p15:guide id="1" orient="horz" pos="2160" userDrawn="1">
           <p15:clr>
             <a:srgbClr val="A4A3A4"/>
           </p15:clr>
         </p15:guide>
-        <p15:guide id="2" pos="2880">
+        <p15:guide id="2" pos="3840" userDrawn="1">
           <p15:clr>
             <a:srgbClr val="A4A3A4"/>
           </p15:clr>
@@ -162,8 +157,8 @@
         </p:nvSpPr>
         <p:spPr>
           <a:xfrm>
-            <a:off x="685800" y="2130425"/>
-            <a:ext cx="7772400" cy="1470025"/>
+            <a:off x="914400" y="2130426"/>
+            <a:ext cx="10363200" cy="1470025"/>
           </a:xfrm>
         </p:spPr>
         <p:txBody>
@@ -171,7 +166,7 @@
           <a:lstStyle/>
           <a:p>
             <a:r>
-              <a:rPr lang="en-US" sz="2400"/>
+              <a:rPr lang="en-US" dirty="0"/>
               <a:t>Click to edit Master title style</a:t>
             </a:r>
           </a:p>
@@ -189,8 +184,8 @@
         </p:nvSpPr>
         <p:spPr>
           <a:xfrm>
-            <a:off x="1371600" y="3886200"/>
-            <a:ext cx="6400800" cy="1752600"/>
+            <a:off x="1828800" y="3886200"/>
+            <a:ext cx="8534400" cy="1752600"/>
           </a:xfrm>
         </p:spPr>
         <p:txBody>
@@ -289,7 +284,7 @@
           </a:lstStyle>
           <a:p>
             <a:r>
-              <a:rPr lang="en-US" sz="2400"/>
+              <a:rPr lang="en-US"/>
               <a:t>Click to edit Master subtitle style</a:t>
             </a:r>
           </a:p>
@@ -312,7 +307,7 @@
           <a:p>
             <a:fld id="{5BCAD085-E8A6-8845-BD4E-CB4CCA059FC4}" type="datetimeFigureOut">
               <a:rPr lang="en-US" smtClean="0"/>
-              <a:t>1/21/26</a:t>
+              <a:t>1/29/26</a:t>
             </a:fld>
             <a:endParaRPr lang="en-US"/>
           </a:p>
@@ -406,7 +401,7 @@
           <a:lstStyle/>
           <a:p>
             <a:r>
-              <a:rPr lang="en-US" sz="3200"/>
+              <a:rPr lang="en-US"/>
               <a:t>Click to edit Master title style</a:t>
             </a:r>
           </a:p>
@@ -429,35 +424,35 @@
           <a:p>
             <a:pPr lvl="0"/>
             <a:r>
-              <a:rPr lang="en-US" sz="2400"/>
+              <a:rPr lang="en-US"/>
               <a:t>Click to edit Master text styles</a:t>
             </a:r>
           </a:p>
           <a:p>
             <a:pPr lvl="1"/>
             <a:r>
-              <a:rPr lang="en-US" sz="2400"/>
+              <a:rPr lang="en-US"/>
               <a:t>Second level</a:t>
             </a:r>
           </a:p>
           <a:p>
             <a:pPr lvl="2"/>
             <a:r>
-              <a:rPr lang="en-US" sz="2400"/>
+              <a:rPr lang="en-US"/>
               <a:t>Third level</a:t>
             </a:r>
           </a:p>
           <a:p>
             <a:pPr lvl="3"/>
             <a:r>
-              <a:rPr lang="en-US" sz="2400"/>
+              <a:rPr lang="en-US"/>
               <a:t>Fourth level</a:t>
             </a:r>
           </a:p>
           <a:p>
             <a:pPr lvl="4"/>
             <a:r>
-              <a:rPr lang="en-US" sz="2400"/>
+              <a:rPr lang="en-US"/>
               <a:t>Fifth level</a:t>
             </a:r>
           </a:p>
@@ -480,7 +475,7 @@
           <a:p>
             <a:fld id="{5BCAD085-E8A6-8845-BD4E-CB4CCA059FC4}" type="datetimeFigureOut">
               <a:rPr lang="en-US" smtClean="0"/>
-              <a:t>1/21/26</a:t>
+              <a:t>1/29/26</a:t>
             </a:fld>
             <a:endParaRPr lang="en-US"/>
           </a:p>
@@ -570,8 +565,8 @@
         </p:nvSpPr>
         <p:spPr>
           <a:xfrm>
-            <a:off x="6629400" y="274638"/>
-            <a:ext cx="2057400" cy="5851525"/>
+            <a:off x="8839200" y="274639"/>
+            <a:ext cx="2743200" cy="5851525"/>
           </a:xfrm>
         </p:spPr>
         <p:txBody>
@@ -579,7 +574,7 @@
           <a:lstStyle/>
           <a:p>
             <a:r>
-              <a:rPr lang="en-US" sz="3200"/>
+              <a:rPr lang="en-US"/>
               <a:t>Click to edit Master title style</a:t>
             </a:r>
           </a:p>
@@ -597,8 +592,8 @@
         </p:nvSpPr>
         <p:spPr>
           <a:xfrm>
-            <a:off x="457200" y="274638"/>
-            <a:ext cx="6019800" cy="5851525"/>
+            <a:off x="609600" y="274639"/>
+            <a:ext cx="8026400" cy="5851525"/>
           </a:xfrm>
         </p:spPr>
         <p:txBody>
@@ -607,35 +602,35 @@
           <a:p>
             <a:pPr lvl="0"/>
             <a:r>
-              <a:rPr lang="en-US" sz="2400"/>
+              <a:rPr lang="en-US"/>
               <a:t>Click to edit Master text styles</a:t>
             </a:r>
           </a:p>
           <a:p>
             <a:pPr lvl="1"/>
             <a:r>
-              <a:rPr lang="en-US" sz="2400"/>
+              <a:rPr lang="en-US"/>
               <a:t>Second level</a:t>
             </a:r>
           </a:p>
           <a:p>
             <a:pPr lvl="2"/>
             <a:r>
-              <a:rPr lang="en-US" sz="2400"/>
+              <a:rPr lang="en-US"/>
               <a:t>Third level</a:t>
             </a:r>
           </a:p>
           <a:p>
             <a:pPr lvl="3"/>
             <a:r>
-              <a:rPr lang="en-US" sz="2400"/>
+              <a:rPr lang="en-US"/>
               <a:t>Fourth level</a:t>
             </a:r>
           </a:p>
           <a:p>
             <a:pPr lvl="4"/>
             <a:r>
-              <a:rPr lang="en-US" sz="2400"/>
+              <a:rPr lang="en-US"/>
               <a:t>Fifth level</a:t>
             </a:r>
           </a:p>
@@ -658,7 +653,7 @@
           <a:p>
             <a:fld id="{5BCAD085-E8A6-8845-BD4E-CB4CCA059FC4}" type="datetimeFigureOut">
               <a:rPr lang="en-US" smtClean="0"/>
-              <a:t>1/21/26</a:t>
+              <a:t>1/29/26</a:t>
             </a:fld>
             <a:endParaRPr lang="en-US"/>
           </a:p>
@@ -743,16 +738,20 @@
             <a:spLocks noGrp="1"/>
           </p:cNvSpPr>
           <p:nvPr>
-            <p:ph type="title"/>
-          </p:nvPr>
-        </p:nvSpPr>
-        <p:spPr/>
-        <p:txBody>
-          <a:bodyPr/>
-          <a:lstStyle/>
-          <a:p>
-            <a:r>
-              <a:rPr lang="en-US" sz="3200" dirty="0"/>
+            <p:ph type="title" hasCustomPrompt="1"/>
+          </p:nvPr>
+        </p:nvSpPr>
+        <p:spPr/>
+        <p:txBody>
+          <a:bodyPr/>
+          <a:lstStyle>
+            <a:lvl1pPr>
+              <a:defRPr sz="3400" b="1"/>
+            </a:lvl1pPr>
+          </a:lstStyle>
+          <a:p>
+            <a:r>
+              <a:rPr lang="en-US" dirty="0"/>
               <a:t>Click to edit Master title style</a:t>
             </a:r>
           </a:p>
@@ -765,45 +764,63 @@
             <a:spLocks noGrp="1"/>
           </p:cNvSpPr>
           <p:nvPr>
-            <p:ph idx="1"/>
-          </p:nvPr>
-        </p:nvSpPr>
-        <p:spPr/>
-        <p:txBody>
-          <a:bodyPr/>
-          <a:lstStyle/>
+            <p:ph idx="1" hasCustomPrompt="1"/>
+          </p:nvPr>
+        </p:nvSpPr>
+        <p:spPr/>
+        <p:txBody>
+          <a:bodyPr>
+            <a:normAutofit/>
+          </a:bodyPr>
+          <a:lstStyle>
+            <a:lvl1pPr>
+              <a:defRPr sz="2800"/>
+            </a:lvl1pPr>
+            <a:lvl2pPr>
+              <a:defRPr sz="2400"/>
+            </a:lvl2pPr>
+            <a:lvl3pPr>
+              <a:defRPr sz="2000"/>
+            </a:lvl3pPr>
+            <a:lvl4pPr>
+              <a:defRPr sz="1800"/>
+            </a:lvl4pPr>
+            <a:lvl5pPr>
+              <a:defRPr sz="1800"/>
+            </a:lvl5pPr>
+          </a:lstStyle>
           <a:p>
             <a:pPr lvl="0"/>
             <a:r>
-              <a:rPr lang="en-US" sz="2400" dirty="0"/>
+              <a:rPr lang="en-US" dirty="0"/>
               <a:t>Click to edit Master text styles</a:t>
             </a:r>
           </a:p>
           <a:p>
             <a:pPr lvl="1"/>
             <a:r>
-              <a:rPr lang="en-US" sz="2400" dirty="0"/>
+              <a:rPr lang="en-US" dirty="0"/>
               <a:t>Second level</a:t>
             </a:r>
           </a:p>
           <a:p>
             <a:pPr lvl="2"/>
             <a:r>
-              <a:rPr lang="en-US" sz="2400" dirty="0"/>
+              <a:rPr lang="en-US" dirty="0"/>
               <a:t>Third level</a:t>
             </a:r>
           </a:p>
           <a:p>
             <a:pPr lvl="3"/>
             <a:r>
-              <a:rPr lang="en-US" sz="2400" dirty="0"/>
+              <a:rPr lang="en-US" dirty="0"/>
               <a:t>Fourth level</a:t>
             </a:r>
           </a:p>
           <a:p>
             <a:pPr lvl="4"/>
             <a:r>
-              <a:rPr lang="en-US" sz="2400" dirty="0"/>
+              <a:rPr lang="en-US" dirty="0"/>
               <a:t>Fifth level</a:t>
             </a:r>
           </a:p>
@@ -826,7 +843,7 @@
           <a:p>
             <a:fld id="{5BCAD085-E8A6-8845-BD4E-CB4CCA059FC4}" type="datetimeFigureOut">
               <a:rPr lang="en-US" smtClean="0"/>
-              <a:t>1/21/26</a:t>
+              <a:t>1/29/26</a:t>
             </a:fld>
             <a:endParaRPr lang="en-US"/>
           </a:p>
@@ -888,7 +905,7 @@
 </file>
 
 <file path=ppt/slideLayouts/slideLayout3.xml><?xml version="1.0" encoding="utf-8"?>
-<p:sldLayout xmlns:a="http://schemas.openxmlformats.org/drawingml/2006/main" xmlns:r="http://schemas.openxmlformats.org/officeDocument/2006/relationships" xmlns:p="http://schemas.openxmlformats.org/presentationml/2006/main" type="secHead" preserve="1">
+<p:sldLayout xmlns:a="http://schemas.openxmlformats.org/drawingml/2006/main" xmlns:r="http://schemas.openxmlformats.org/officeDocument/2006/relationships" xmlns:p="http://schemas.openxmlformats.org/presentationml/2006/main" preserve="1" userDrawn="1">
   <p:cSld name="Section Header">
     <p:spTree>
       <p:nvGrpSpPr>
@@ -911,145 +928,26 @@
             <a:spLocks noGrp="1"/>
           </p:cNvSpPr>
           <p:nvPr>
-            <p:ph type="title"/>
+            <p:ph type="title" hasCustomPrompt="1"/>
           </p:nvPr>
         </p:nvSpPr>
         <p:spPr>
           <a:xfrm>
-            <a:off x="722313" y="4406900"/>
-            <a:ext cx="7772400" cy="1362075"/>
+            <a:off x="1219200" y="2066925"/>
+            <a:ext cx="10363200" cy="1362075"/>
           </a:xfrm>
         </p:spPr>
         <p:txBody>
           <a:bodyPr anchor="t"/>
           <a:lstStyle>
-            <a:lvl1pPr algn="l">
+            <a:lvl1pPr algn="ctr">
               <a:defRPr sz="4000" b="1" cap="all"/>
             </a:lvl1pPr>
           </a:lstStyle>
           <a:p>
             <a:r>
-              <a:rPr lang="en-US" sz="3200"/>
-              <a:t>Click to edit Master title style</a:t>
-            </a:r>
-          </a:p>
-        </p:txBody>
-      </p:sp>
-      <p:sp>
-        <p:nvSpPr>
-          <p:cNvPr id="3" name="Text Placeholder 2"/>
-          <p:cNvSpPr>
-            <a:spLocks noGrp="1"/>
-          </p:cNvSpPr>
-          <p:nvPr>
-            <p:ph type="body" idx="1"/>
-          </p:nvPr>
-        </p:nvSpPr>
-        <p:spPr>
-          <a:xfrm>
-            <a:off x="722313" y="2906713"/>
-            <a:ext cx="7772400" cy="1500187"/>
-          </a:xfrm>
-        </p:spPr>
-        <p:txBody>
-          <a:bodyPr anchor="b"/>
-          <a:lstStyle>
-            <a:lvl1pPr marL="0" indent="0">
-              <a:buNone/>
-              <a:defRPr sz="2000">
-                <a:solidFill>
-                  <a:schemeClr val="tx1">
-                    <a:tint val="75000"/>
-                  </a:schemeClr>
-                </a:solidFill>
-              </a:defRPr>
-            </a:lvl1pPr>
-            <a:lvl2pPr marL="457200" indent="0">
-              <a:buNone/>
-              <a:defRPr sz="1800">
-                <a:solidFill>
-                  <a:schemeClr val="tx1">
-                    <a:tint val="75000"/>
-                  </a:schemeClr>
-                </a:solidFill>
-              </a:defRPr>
-            </a:lvl2pPr>
-            <a:lvl3pPr marL="914400" indent="0">
-              <a:buNone/>
-              <a:defRPr sz="1600">
-                <a:solidFill>
-                  <a:schemeClr val="tx1">
-                    <a:tint val="75000"/>
-                  </a:schemeClr>
-                </a:solidFill>
-              </a:defRPr>
-            </a:lvl3pPr>
-            <a:lvl4pPr marL="1371600" indent="0">
-              <a:buNone/>
-              <a:defRPr sz="1400">
-                <a:solidFill>
-                  <a:schemeClr val="tx1">
-                    <a:tint val="75000"/>
-                  </a:schemeClr>
-                </a:solidFill>
-              </a:defRPr>
-            </a:lvl4pPr>
-            <a:lvl5pPr marL="1828800" indent="0">
-              <a:buNone/>
-              <a:defRPr sz="1400">
-                <a:solidFill>
-                  <a:schemeClr val="tx1">
-                    <a:tint val="75000"/>
-                  </a:schemeClr>
-                </a:solidFill>
-              </a:defRPr>
-            </a:lvl5pPr>
-            <a:lvl6pPr marL="2286000" indent="0">
-              <a:buNone/>
-              <a:defRPr sz="1400">
-                <a:solidFill>
-                  <a:schemeClr val="tx1">
-                    <a:tint val="75000"/>
-                  </a:schemeClr>
-                </a:solidFill>
-              </a:defRPr>
-            </a:lvl6pPr>
-            <a:lvl7pPr marL="2743200" indent="0">
-              <a:buNone/>
-              <a:defRPr sz="1400">
-                <a:solidFill>
-                  <a:schemeClr val="tx1">
-                    <a:tint val="75000"/>
-                  </a:schemeClr>
-                </a:solidFill>
-              </a:defRPr>
-            </a:lvl7pPr>
-            <a:lvl8pPr marL="3200400" indent="0">
-              <a:buNone/>
-              <a:defRPr sz="1400">
-                <a:solidFill>
-                  <a:schemeClr val="tx1">
-                    <a:tint val="75000"/>
-                  </a:schemeClr>
-                </a:solidFill>
-              </a:defRPr>
-            </a:lvl8pPr>
-            <a:lvl9pPr marL="3657600" indent="0">
-              <a:buNone/>
-              <a:defRPr sz="1400">
-                <a:solidFill>
-                  <a:schemeClr val="tx1">
-                    <a:tint val="75000"/>
-                  </a:schemeClr>
-                </a:solidFill>
-              </a:defRPr>
-            </a:lvl9pPr>
-          </a:lstStyle>
-          <a:p>
-            <a:pPr lvl="0"/>
-            <a:r>
-              <a:rPr lang="en-US" sz="2400"/>
-              <a:t>Click to edit Master text styles</a:t>
+              <a:rPr lang="en-US" dirty="0"/>
+              <a:t>MASTER STYLE</a:t>
             </a:r>
           </a:p>
         </p:txBody>
@@ -1071,7 +969,7 @@
           <a:p>
             <a:fld id="{5BCAD085-E8A6-8845-BD4E-CB4CCA059FC4}" type="datetimeFigureOut">
               <a:rPr lang="en-US" smtClean="0"/>
-              <a:t>1/21/26</a:t>
+              <a:t>1/29/26</a:t>
             </a:fld>
             <a:endParaRPr lang="en-US"/>
           </a:p>
@@ -1165,7 +1063,7 @@
           <a:lstStyle/>
           <a:p>
             <a:r>
-              <a:rPr lang="en-US" sz="3200"/>
+              <a:rPr lang="en-US"/>
               <a:t>Click to edit Master title style</a:t>
             </a:r>
           </a:p>
@@ -1183,8 +1081,8 @@
         </p:nvSpPr>
         <p:spPr>
           <a:xfrm>
-            <a:off x="457200" y="1600200"/>
-            <a:ext cx="4038600" cy="4525963"/>
+            <a:off x="609600" y="1600201"/>
+            <a:ext cx="5384800" cy="4525963"/>
           </a:xfrm>
         </p:spPr>
         <p:txBody>
@@ -1221,35 +1119,35 @@
           <a:p>
             <a:pPr lvl="0"/>
             <a:r>
-              <a:rPr lang="en-US" sz="2400"/>
+              <a:rPr lang="en-US"/>
               <a:t>Click to edit Master text styles</a:t>
             </a:r>
           </a:p>
           <a:p>
             <a:pPr lvl="1"/>
             <a:r>
-              <a:rPr lang="en-US" sz="2400"/>
+              <a:rPr lang="en-US"/>
               <a:t>Second level</a:t>
             </a:r>
           </a:p>
           <a:p>
             <a:pPr lvl="2"/>
             <a:r>
-              <a:rPr lang="en-US" sz="2400"/>
+              <a:rPr lang="en-US"/>
               <a:t>Third level</a:t>
             </a:r>
           </a:p>
           <a:p>
             <a:pPr lvl="3"/>
             <a:r>
-              <a:rPr lang="en-US" sz="2400"/>
+              <a:rPr lang="en-US"/>
               <a:t>Fourth level</a:t>
             </a:r>
           </a:p>
           <a:p>
             <a:pPr lvl="4"/>
             <a:r>
-              <a:rPr lang="en-US" sz="2400"/>
+              <a:rPr lang="en-US"/>
               <a:t>Fifth level</a:t>
             </a:r>
           </a:p>
@@ -1267,8 +1165,8 @@
         </p:nvSpPr>
         <p:spPr>
           <a:xfrm>
-            <a:off x="4648200" y="1600200"/>
-            <a:ext cx="4038600" cy="4525963"/>
+            <a:off x="6197600" y="1600201"/>
+            <a:ext cx="5384800" cy="4525963"/>
           </a:xfrm>
         </p:spPr>
         <p:txBody>
@@ -1305,35 +1203,35 @@
           <a:p>
             <a:pPr lvl="0"/>
             <a:r>
-              <a:rPr lang="en-US" sz="2400"/>
+              <a:rPr lang="en-US"/>
               <a:t>Click to edit Master text styles</a:t>
             </a:r>
           </a:p>
           <a:p>
             <a:pPr lvl="1"/>
             <a:r>
-              <a:rPr lang="en-US" sz="2400"/>
+              <a:rPr lang="en-US"/>
               <a:t>Second level</a:t>
             </a:r>
           </a:p>
           <a:p>
             <a:pPr lvl="2"/>
             <a:r>
-              <a:rPr lang="en-US" sz="2400"/>
+              <a:rPr lang="en-US"/>
               <a:t>Third level</a:t>
             </a:r>
           </a:p>
           <a:p>
             <a:pPr lvl="3"/>
             <a:r>
-              <a:rPr lang="en-US" sz="2400"/>
+              <a:rPr lang="en-US"/>
               <a:t>Fourth level</a:t>
             </a:r>
           </a:p>
           <a:p>
             <a:pPr lvl="4"/>
             <a:r>
-              <a:rPr lang="en-US" sz="2400"/>
+              <a:rPr lang="en-US"/>
               <a:t>Fifth level</a:t>
             </a:r>
           </a:p>
@@ -1356,7 +1254,7 @@
           <a:p>
             <a:fld id="{5BCAD085-E8A6-8845-BD4E-CB4CCA059FC4}" type="datetimeFigureOut">
               <a:rPr lang="en-US" smtClean="0"/>
-              <a:t>1/21/26</a:t>
+              <a:t>1/29/26</a:t>
             </a:fld>
             <a:endParaRPr lang="en-US"/>
           </a:p>
@@ -1454,7 +1352,7 @@
           </a:lstStyle>
           <a:p>
             <a:r>
-              <a:rPr lang="en-US" sz="3200"/>
+              <a:rPr lang="en-US"/>
               <a:t>Click to edit Master title style</a:t>
             </a:r>
           </a:p>
@@ -1472,8 +1370,8 @@
         </p:nvSpPr>
         <p:spPr>
           <a:xfrm>
-            <a:off x="457200" y="1535113"/>
-            <a:ext cx="4040188" cy="639762"/>
+            <a:off x="609600" y="1535113"/>
+            <a:ext cx="5386917" cy="639762"/>
           </a:xfrm>
         </p:spPr>
         <p:txBody>
@@ -1519,7 +1417,7 @@
           <a:p>
             <a:pPr lvl="0"/>
             <a:r>
-              <a:rPr lang="en-US" sz="2400"/>
+              <a:rPr lang="en-US"/>
               <a:t>Click to edit Master text styles</a:t>
             </a:r>
           </a:p>
@@ -1537,8 +1435,8 @@
         </p:nvSpPr>
         <p:spPr>
           <a:xfrm>
-            <a:off x="457200" y="2174875"/>
-            <a:ext cx="4040188" cy="3951288"/>
+            <a:off x="609600" y="2174875"/>
+            <a:ext cx="5386917" cy="3951288"/>
           </a:xfrm>
         </p:spPr>
         <p:txBody>
@@ -1575,35 +1473,35 @@
           <a:p>
             <a:pPr lvl="0"/>
             <a:r>
-              <a:rPr lang="en-US" sz="2400"/>
+              <a:rPr lang="en-US"/>
               <a:t>Click to edit Master text styles</a:t>
             </a:r>
           </a:p>
           <a:p>
             <a:pPr lvl="1"/>
             <a:r>
-              <a:rPr lang="en-US" sz="2400"/>
+              <a:rPr lang="en-US"/>
               <a:t>Second level</a:t>
             </a:r>
           </a:p>
           <a:p>
             <a:pPr lvl="2"/>
             <a:r>
-              <a:rPr lang="en-US" sz="2400"/>
+              <a:rPr lang="en-US"/>
               <a:t>Third level</a:t>
             </a:r>
           </a:p>
           <a:p>
             <a:pPr lvl="3"/>
             <a:r>
-              <a:rPr lang="en-US" sz="2400"/>
+              <a:rPr lang="en-US"/>
               <a:t>Fourth level</a:t>
             </a:r>
           </a:p>
           <a:p>
             <a:pPr lvl="4"/>
             <a:r>
-              <a:rPr lang="en-US" sz="2400"/>
+              <a:rPr lang="en-US"/>
               <a:t>Fifth level</a:t>
             </a:r>
           </a:p>
@@ -1621,8 +1519,8 @@
         </p:nvSpPr>
         <p:spPr>
           <a:xfrm>
-            <a:off x="4645025" y="1535113"/>
-            <a:ext cx="4041775" cy="639762"/>
+            <a:off x="6193368" y="1535113"/>
+            <a:ext cx="5389033" cy="639762"/>
           </a:xfrm>
         </p:spPr>
         <p:txBody>
@@ -1668,7 +1566,7 @@
           <a:p>
             <a:pPr lvl="0"/>
             <a:r>
-              <a:rPr lang="en-US" sz="2400"/>
+              <a:rPr lang="en-US"/>
               <a:t>Click to edit Master text styles</a:t>
             </a:r>
           </a:p>
@@ -1686,8 +1584,8 @@
         </p:nvSpPr>
         <p:spPr>
           <a:xfrm>
-            <a:off x="4645025" y="2174875"/>
-            <a:ext cx="4041775" cy="3951288"/>
+            <a:off x="6193368" y="2174875"/>
+            <a:ext cx="5389033" cy="3951288"/>
           </a:xfrm>
         </p:spPr>
         <p:txBody>
@@ -1724,35 +1622,35 @@
           <a:p>
             <a:pPr lvl="0"/>
             <a:r>
-              <a:rPr lang="en-US" sz="2400"/>
+              <a:rPr lang="en-US"/>
               <a:t>Click to edit Master text styles</a:t>
             </a:r>
           </a:p>
           <a:p>
             <a:pPr lvl="1"/>
             <a:r>
-              <a:rPr lang="en-US" sz="2400"/>
+              <a:rPr lang="en-US"/>
               <a:t>Second level</a:t>
             </a:r>
           </a:p>
           <a:p>
             <a:pPr lvl="2"/>
             <a:r>
-              <a:rPr lang="en-US" sz="2400"/>
+              <a:rPr lang="en-US"/>
               <a:t>Third level</a:t>
             </a:r>
           </a:p>
           <a:p>
             <a:pPr lvl="3"/>
             <a:r>
-              <a:rPr lang="en-US" sz="2400"/>
+              <a:rPr lang="en-US"/>
               <a:t>Fourth level</a:t>
             </a:r>
           </a:p>
           <a:p>
             <a:pPr lvl="4"/>
             <a:r>
-              <a:rPr lang="en-US" sz="2400"/>
+              <a:rPr lang="en-US"/>
               <a:t>Fifth level</a:t>
             </a:r>
           </a:p>
@@ -1775,7 +1673,7 @@
           <a:p>
             <a:fld id="{5BCAD085-E8A6-8845-BD4E-CB4CCA059FC4}" type="datetimeFigureOut">
               <a:rPr lang="en-US" smtClean="0"/>
-              <a:t>1/21/26</a:t>
+              <a:t>1/29/26</a:t>
             </a:fld>
             <a:endParaRPr lang="en-US"/>
           </a:p>
@@ -1869,7 +1767,7 @@
           <a:lstStyle/>
           <a:p>
             <a:r>
-              <a:rPr lang="en-US" sz="3200"/>
+              <a:rPr lang="en-US"/>
               <a:t>Click to edit Master title style</a:t>
             </a:r>
           </a:p>
@@ -1892,7 +1790,7 @@
           <a:p>
             <a:fld id="{5BCAD085-E8A6-8845-BD4E-CB4CCA059FC4}" type="datetimeFigureOut">
               <a:rPr lang="en-US" smtClean="0"/>
-              <a:t>1/21/26</a:t>
+              <a:t>1/29/26</a:t>
             </a:fld>
             <a:endParaRPr lang="en-US"/>
           </a:p>
@@ -1987,7 +1885,7 @@
           <a:p>
             <a:fld id="{5BCAD085-E8A6-8845-BD4E-CB4CCA059FC4}" type="datetimeFigureOut">
               <a:rPr lang="en-US" smtClean="0"/>
-              <a:t>1/21/26</a:t>
+              <a:t>1/29/26</a:t>
             </a:fld>
             <a:endParaRPr lang="en-US"/>
           </a:p>
@@ -2077,8 +1975,8 @@
         </p:nvSpPr>
         <p:spPr>
           <a:xfrm>
-            <a:off x="457200" y="273050"/>
-            <a:ext cx="3008313" cy="1162050"/>
+            <a:off x="609601" y="273050"/>
+            <a:ext cx="4011084" cy="1162050"/>
           </a:xfrm>
         </p:spPr>
         <p:txBody>
@@ -2090,7 +1988,7 @@
           </a:lstStyle>
           <a:p>
             <a:r>
-              <a:rPr lang="en-US" sz="3200"/>
+              <a:rPr lang="en-US"/>
               <a:t>Click to edit Master title style</a:t>
             </a:r>
           </a:p>
@@ -2108,8 +2006,8 @@
         </p:nvSpPr>
         <p:spPr>
           <a:xfrm>
-            <a:off x="3575050" y="273050"/>
-            <a:ext cx="5111750" cy="5853113"/>
+            <a:off x="4766733" y="273051"/>
+            <a:ext cx="6815667" cy="5853113"/>
           </a:xfrm>
         </p:spPr>
         <p:txBody>
@@ -2146,35 +2044,35 @@
           <a:p>
             <a:pPr lvl="0"/>
             <a:r>
-              <a:rPr lang="en-US" sz="2400"/>
+              <a:rPr lang="en-US"/>
               <a:t>Click to edit Master text styles</a:t>
             </a:r>
           </a:p>
           <a:p>
             <a:pPr lvl="1"/>
             <a:r>
-              <a:rPr lang="en-US" sz="2400"/>
+              <a:rPr lang="en-US"/>
               <a:t>Second level</a:t>
             </a:r>
           </a:p>
           <a:p>
             <a:pPr lvl="2"/>
             <a:r>
-              <a:rPr lang="en-US" sz="2400"/>
+              <a:rPr lang="en-US"/>
               <a:t>Third level</a:t>
             </a:r>
           </a:p>
           <a:p>
             <a:pPr lvl="3"/>
             <a:r>
-              <a:rPr lang="en-US" sz="2400"/>
+              <a:rPr lang="en-US"/>
               <a:t>Fourth level</a:t>
             </a:r>
           </a:p>
           <a:p>
             <a:pPr lvl="4"/>
             <a:r>
-              <a:rPr lang="en-US" sz="2400"/>
+              <a:rPr lang="en-US"/>
               <a:t>Fifth level</a:t>
             </a:r>
           </a:p>
@@ -2192,8 +2090,8 @@
         </p:nvSpPr>
         <p:spPr>
           <a:xfrm>
-            <a:off x="457200" y="1435100"/>
-            <a:ext cx="3008313" cy="4691063"/>
+            <a:off x="609601" y="1435101"/>
+            <a:ext cx="4011084" cy="4691063"/>
           </a:xfrm>
         </p:spPr>
         <p:txBody>
@@ -2239,7 +2137,7 @@
           <a:p>
             <a:pPr lvl="0"/>
             <a:r>
-              <a:rPr lang="en-US" sz="2400"/>
+              <a:rPr lang="en-US"/>
               <a:t>Click to edit Master text styles</a:t>
             </a:r>
           </a:p>
@@ -2262,7 +2160,7 @@
           <a:p>
             <a:fld id="{5BCAD085-E8A6-8845-BD4E-CB4CCA059FC4}" type="datetimeFigureOut">
               <a:rPr lang="en-US" smtClean="0"/>
-              <a:t>1/21/26</a:t>
+              <a:t>1/29/26</a:t>
             </a:fld>
             <a:endParaRPr lang="en-US"/>
           </a:p>
@@ -2352,8 +2250,8 @@
         </p:nvSpPr>
         <p:spPr>
           <a:xfrm>
-            <a:off x="1792288" y="4800600"/>
-            <a:ext cx="5486400" cy="566738"/>
+            <a:off x="2389717" y="4800600"/>
+            <a:ext cx="7315200" cy="566738"/>
           </a:xfrm>
         </p:spPr>
         <p:txBody>
@@ -2365,7 +2263,7 @@
           </a:lstStyle>
           <a:p>
             <a:r>
-              <a:rPr lang="en-US" sz="3200"/>
+              <a:rPr lang="en-US"/>
               <a:t>Click to edit Master title style</a:t>
             </a:r>
           </a:p>
@@ -2383,8 +2281,8 @@
         </p:nvSpPr>
         <p:spPr>
           <a:xfrm>
-            <a:off x="1792288" y="612775"/>
-            <a:ext cx="5486400" cy="4114800"/>
+            <a:off x="2389717" y="612775"/>
+            <a:ext cx="7315200" cy="4114800"/>
           </a:xfrm>
         </p:spPr>
         <p:txBody>
@@ -2444,8 +2342,8 @@
         </p:nvSpPr>
         <p:spPr>
           <a:xfrm>
-            <a:off x="1792288" y="5367338"/>
-            <a:ext cx="5486400" cy="804862"/>
+            <a:off x="2389717" y="5367338"/>
+            <a:ext cx="7315200" cy="804862"/>
           </a:xfrm>
         </p:spPr>
         <p:txBody>
@@ -2491,7 +2389,7 @@
           <a:p>
             <a:pPr lvl="0"/>
             <a:r>
-              <a:rPr lang="en-US" sz="2400"/>
+              <a:rPr lang="en-US"/>
               <a:t>Click to edit Master text styles</a:t>
             </a:r>
           </a:p>
@@ -2514,7 +2412,7 @@
           <a:p>
             <a:fld id="{5BCAD085-E8A6-8845-BD4E-CB4CCA059FC4}" type="datetimeFigureOut">
               <a:rPr lang="en-US" smtClean="0"/>
-              <a:t>1/21/26</a:t>
+              <a:t>1/29/26</a:t>
             </a:fld>
             <a:endParaRPr lang="en-US"/>
           </a:p>
@@ -2609,8 +2507,8 @@
         </p:nvSpPr>
         <p:spPr>
           <a:xfrm>
-            <a:off x="457200" y="274638"/>
-            <a:ext cx="8229600" cy="1143000"/>
+            <a:off x="609600" y="274638"/>
+            <a:ext cx="10972800" cy="1143000"/>
           </a:xfrm>
           <a:prstGeom prst="rect">
             <a:avLst/>
@@ -2641,8 +2539,8 @@
         </p:nvSpPr>
         <p:spPr>
           <a:xfrm>
-            <a:off x="457200" y="1600200"/>
-            <a:ext cx="8229600" cy="4525963"/>
+            <a:off x="609600" y="1600201"/>
+            <a:ext cx="10972800" cy="4525963"/>
           </a:xfrm>
           <a:prstGeom prst="rect">
             <a:avLst/>
@@ -2702,8 +2600,8 @@
         </p:nvSpPr>
         <p:spPr>
           <a:xfrm>
-            <a:off x="457200" y="6356350"/>
-            <a:ext cx="2133600" cy="365125"/>
+            <a:off x="609600" y="6356351"/>
+            <a:ext cx="2844800" cy="365125"/>
           </a:xfrm>
           <a:prstGeom prst="rect">
             <a:avLst/>
@@ -2725,7 +2623,7 @@
           <a:p>
             <a:fld id="{5BCAD085-E8A6-8845-BD4E-CB4CCA059FC4}" type="datetimeFigureOut">
               <a:rPr lang="en-US" smtClean="0"/>
-              <a:t>1/21/26</a:t>
+              <a:t>1/29/26</a:t>
             </a:fld>
             <a:endParaRPr lang="en-US"/>
           </a:p>
@@ -2743,8 +2641,8 @@
         </p:nvSpPr>
         <p:spPr>
           <a:xfrm>
-            <a:off x="3124200" y="6356350"/>
-            <a:ext cx="2895600" cy="365125"/>
+            <a:off x="4165600" y="6356351"/>
+            <a:ext cx="3860800" cy="365125"/>
           </a:xfrm>
           <a:prstGeom prst="rect">
             <a:avLst/>
@@ -2780,8 +2678,8 @@
         </p:nvSpPr>
         <p:spPr>
           <a:xfrm>
-            <a:off x="6553200" y="6356350"/>
-            <a:ext cx="2133600" cy="365125"/>
+            <a:off x="8737600" y="6356351"/>
+            <a:ext cx="2844800" cy="365125"/>
           </a:xfrm>
           <a:prstGeom prst="rect">
             <a:avLst/>
@@ -2837,7 +2735,7 @@
           <a:spcPct val="0"/>
         </a:spcBef>
         <a:buNone/>
-        <a:defRPr sz="3600" b="1" kern="1200">
+        <a:defRPr sz="3400" b="1" kern="1200">
           <a:solidFill>
             <a:schemeClr val="tx1"/>
           </a:solidFill>
@@ -2884,7 +2782,7 @@
         </a:spcBef>
         <a:buFont typeface="Arial"/>
         <a:buChar char="•"/>
-        <a:defRPr sz="2200" kern="1200">
+        <a:defRPr sz="2000" kern="1200">
           <a:solidFill>
             <a:schemeClr val="tx1"/>
           </a:solidFill>
@@ -2899,7 +2797,7 @@
         </a:spcBef>
         <a:buFont typeface="Arial"/>
         <a:buChar char="–"/>
-        <a:defRPr sz="2000" kern="1200">
+        <a:defRPr sz="1800" kern="1200">
           <a:solidFill>
             <a:schemeClr val="tx1"/>
           </a:solidFill>
@@ -2914,7 +2812,7 @@
         </a:spcBef>
         <a:buFont typeface="Arial"/>
         <a:buChar char="»"/>
-        <a:defRPr sz="2000" kern="1200">
+        <a:defRPr sz="1800" kern="1200">
           <a:solidFill>
             <a:schemeClr val="tx1"/>
           </a:solidFill>
@@ -3115,7 +3013,7 @@
           <a:bodyPr/>
           <a:lstStyle/>
           <a:p>
-            <a:endParaRPr dirty="0"/>
+            <a:endParaRPr/>
           </a:p>
         </p:txBody>
       </p:sp>
@@ -3135,237 +3033,6 @@
           <a:lstStyle/>
           <a:p>
             <a:endParaRPr/>
-          </a:p>
-        </p:txBody>
-      </p:sp>
-      <p:sp>
-        <p:nvSpPr>
-          <p:cNvPr id="4" name="TextBox 3"/>
-          <p:cNvSpPr txBox="1"/>
-          <p:nvPr/>
-        </p:nvSpPr>
-        <p:spPr>
-          <a:xfrm>
-            <a:off x="274320" y="182880"/>
-            <a:ext cx="8229600" cy="548640"/>
-          </a:xfrm>
-          <a:prstGeom prst="rect">
-            <a:avLst/>
-          </a:prstGeom>
-          <a:noFill/>
-        </p:spPr>
-        <p:txBody>
-          <a:bodyPr wrap="none">
-            <a:spAutoFit/>
-          </a:bodyPr>
-          <a:lstStyle/>
-          <a:p>
-            <a:pPr>
-              <a:defRPr sz="1400" b="1">
-                <a:solidFill>
-                  <a:srgbClr val="3C3C3C"/>
-                </a:solidFill>
-              </a:defRPr>
-            </a:pPr>
-            <a:r>
-              <a:t>Layout 0: Title Slide</a:t>
-            </a:r>
-          </a:p>
-        </p:txBody>
-      </p:sp>
-    </p:spTree>
-  </p:cSld>
-  <p:clrMapOvr>
-    <a:masterClrMapping/>
-  </p:clrMapOvr>
-</p:sld>
-</file>
-
-<file path=ppt/slides/slide10.xml><?xml version="1.0" encoding="utf-8"?>
-<p:sld xmlns:a="http://schemas.openxmlformats.org/drawingml/2006/main" xmlns:r="http://schemas.openxmlformats.org/officeDocument/2006/relationships" xmlns:p="http://schemas.openxmlformats.org/presentationml/2006/main">
-  <p:cSld>
-    <p:spTree>
-      <p:nvGrpSpPr>
-        <p:cNvPr id="1" name=""/>
-        <p:cNvGrpSpPr/>
-        <p:nvPr/>
-      </p:nvGrpSpPr>
-      <p:grpSpPr>
-        <a:xfrm>
-          <a:off x="0" y="0"/>
-          <a:ext cx="0" cy="0"/>
-          <a:chOff x="0" y="0"/>
-          <a:chExt cx="0" cy="0"/>
-        </a:xfrm>
-      </p:grpSpPr>
-      <p:sp>
-        <p:nvSpPr>
-          <p:cNvPr id="2" name="Title 1"/>
-          <p:cNvSpPr>
-            <a:spLocks noGrp="1"/>
-          </p:cNvSpPr>
-          <p:nvPr>
-            <p:ph type="title"/>
-          </p:nvPr>
-        </p:nvSpPr>
-        <p:spPr/>
-        <p:txBody>
-          <a:bodyPr/>
-          <a:lstStyle/>
-          <a:p>
-            <a:endParaRPr/>
-          </a:p>
-        </p:txBody>
-      </p:sp>
-      <p:sp>
-        <p:nvSpPr>
-          <p:cNvPr id="3" name="Vertical Text Placeholder 2"/>
-          <p:cNvSpPr>
-            <a:spLocks noGrp="1"/>
-          </p:cNvSpPr>
-          <p:nvPr>
-            <p:ph type="body" orient="vert" idx="1"/>
-          </p:nvPr>
-        </p:nvSpPr>
-        <p:spPr/>
-        <p:txBody>
-          <a:bodyPr/>
-          <a:lstStyle/>
-          <a:p>
-            <a:endParaRPr/>
-          </a:p>
-        </p:txBody>
-      </p:sp>
-      <p:sp>
-        <p:nvSpPr>
-          <p:cNvPr id="4" name="TextBox 3"/>
-          <p:cNvSpPr txBox="1"/>
-          <p:nvPr/>
-        </p:nvSpPr>
-        <p:spPr>
-          <a:xfrm>
-            <a:off x="274320" y="182880"/>
-            <a:ext cx="8229600" cy="548640"/>
-          </a:xfrm>
-          <a:prstGeom prst="rect">
-            <a:avLst/>
-          </a:prstGeom>
-          <a:noFill/>
-        </p:spPr>
-        <p:txBody>
-          <a:bodyPr wrap="none">
-            <a:spAutoFit/>
-          </a:bodyPr>
-          <a:lstStyle/>
-          <a:p>
-            <a:pPr>
-              <a:defRPr sz="1400" b="1">
-                <a:solidFill>
-                  <a:srgbClr val="3C3C3C"/>
-                </a:solidFill>
-              </a:defRPr>
-            </a:pPr>
-            <a:r>
-              <a:t>Layout 9: Title and Vertical Text</a:t>
-            </a:r>
-          </a:p>
-        </p:txBody>
-      </p:sp>
-    </p:spTree>
-  </p:cSld>
-  <p:clrMapOvr>
-    <a:masterClrMapping/>
-  </p:clrMapOvr>
-</p:sld>
-</file>
-
-<file path=ppt/slides/slide11.xml><?xml version="1.0" encoding="utf-8"?>
-<p:sld xmlns:a="http://schemas.openxmlformats.org/drawingml/2006/main" xmlns:r="http://schemas.openxmlformats.org/officeDocument/2006/relationships" xmlns:p="http://schemas.openxmlformats.org/presentationml/2006/main">
-  <p:cSld>
-    <p:spTree>
-      <p:nvGrpSpPr>
-        <p:cNvPr id="1" name=""/>
-        <p:cNvGrpSpPr/>
-        <p:nvPr/>
-      </p:nvGrpSpPr>
-      <p:grpSpPr>
-        <a:xfrm>
-          <a:off x="0" y="0"/>
-          <a:ext cx="0" cy="0"/>
-          <a:chOff x="0" y="0"/>
-          <a:chExt cx="0" cy="0"/>
-        </a:xfrm>
-      </p:grpSpPr>
-      <p:sp>
-        <p:nvSpPr>
-          <p:cNvPr id="2" name="Vertical Title 1"/>
-          <p:cNvSpPr>
-            <a:spLocks noGrp="1"/>
-          </p:cNvSpPr>
-          <p:nvPr>
-            <p:ph type="title" orient="vert"/>
-          </p:nvPr>
-        </p:nvSpPr>
-        <p:spPr/>
-        <p:txBody>
-          <a:bodyPr/>
-          <a:lstStyle/>
-          <a:p>
-            <a:endParaRPr/>
-          </a:p>
-        </p:txBody>
-      </p:sp>
-      <p:sp>
-        <p:nvSpPr>
-          <p:cNvPr id="3" name="Vertical Text Placeholder 2"/>
-          <p:cNvSpPr>
-            <a:spLocks noGrp="1"/>
-          </p:cNvSpPr>
-          <p:nvPr>
-            <p:ph type="body" orient="vert" idx="1"/>
-          </p:nvPr>
-        </p:nvSpPr>
-        <p:spPr/>
-        <p:txBody>
-          <a:bodyPr/>
-          <a:lstStyle/>
-          <a:p>
-            <a:endParaRPr/>
-          </a:p>
-        </p:txBody>
-      </p:sp>
-      <p:sp>
-        <p:nvSpPr>
-          <p:cNvPr id="4" name="TextBox 3"/>
-          <p:cNvSpPr txBox="1"/>
-          <p:nvPr/>
-        </p:nvSpPr>
-        <p:spPr>
-          <a:xfrm>
-            <a:off x="274320" y="182880"/>
-            <a:ext cx="8229600" cy="548640"/>
-          </a:xfrm>
-          <a:prstGeom prst="rect">
-            <a:avLst/>
-          </a:prstGeom>
-          <a:noFill/>
-        </p:spPr>
-        <p:txBody>
-          <a:bodyPr wrap="none">
-            <a:spAutoFit/>
-          </a:bodyPr>
-          <a:lstStyle/>
-          <a:p>
-            <a:pPr>
-              <a:defRPr sz="1400" b="1">
-                <a:solidFill>
-                  <a:srgbClr val="3C3C3C"/>
-                </a:solidFill>
-              </a:defRPr>
-            </a:pPr>
-            <a:r>
-              <a:t>Layout 10: Vertical Title and Text</a:t>
-            </a:r>
           </a:p>
         </p:txBody>
       </p:sp>
@@ -3432,41 +3099,6 @@
           </a:p>
         </p:txBody>
       </p:sp>
-      <p:sp>
-        <p:nvSpPr>
-          <p:cNvPr id="4" name="TextBox 3"/>
-          <p:cNvSpPr txBox="1"/>
-          <p:nvPr/>
-        </p:nvSpPr>
-        <p:spPr>
-          <a:xfrm>
-            <a:off x="274320" y="182880"/>
-            <a:ext cx="8229600" cy="548640"/>
-          </a:xfrm>
-          <a:prstGeom prst="rect">
-            <a:avLst/>
-          </a:prstGeom>
-          <a:noFill/>
-        </p:spPr>
-        <p:txBody>
-          <a:bodyPr wrap="none">
-            <a:spAutoFit/>
-          </a:bodyPr>
-          <a:lstStyle/>
-          <a:p>
-            <a:pPr>
-              <a:defRPr sz="1400" b="1">
-                <a:solidFill>
-                  <a:srgbClr val="3C3C3C"/>
-                </a:solidFill>
-              </a:defRPr>
-            </a:pPr>
-            <a:r>
-              <a:t>Layout 1: Title and Content</a:t>
-            </a:r>
-          </a:p>
-        </p:txBody>
-      </p:sp>
     </p:spTree>
   </p:cSld>
   <p:clrMapOvr>
@@ -3513,12 +3145,12 @@
       </p:sp>
       <p:sp>
         <p:nvSpPr>
-          <p:cNvPr id="3" name="Text Placeholder 2"/>
-          <p:cNvSpPr>
-            <a:spLocks noGrp="1"/>
-          </p:cNvSpPr>
-          <p:nvPr>
-            <p:ph type="body" idx="1"/>
+          <p:cNvPr id="3" name="Content Placeholder 2"/>
+          <p:cNvSpPr>
+            <a:spLocks noGrp="1"/>
+          </p:cNvSpPr>
+          <p:nvPr>
+            <p:ph sz="half" idx="1"/>
           </p:nvPr>
         </p:nvSpPr>
         <p:spPr/>
@@ -3532,36 +3164,20 @@
       </p:sp>
       <p:sp>
         <p:nvSpPr>
-          <p:cNvPr id="4" name="TextBox 3"/>
-          <p:cNvSpPr txBox="1"/>
-          <p:nvPr/>
-        </p:nvSpPr>
-        <p:spPr>
-          <a:xfrm>
-            <a:off x="274320" y="182880"/>
-            <a:ext cx="8229600" cy="548640"/>
-          </a:xfrm>
-          <a:prstGeom prst="rect">
-            <a:avLst/>
-          </a:prstGeom>
-          <a:noFill/>
-        </p:spPr>
-        <p:txBody>
-          <a:bodyPr wrap="none">
-            <a:spAutoFit/>
-          </a:bodyPr>
-          <a:lstStyle/>
-          <a:p>
-            <a:pPr>
-              <a:defRPr sz="1400" b="1">
-                <a:solidFill>
-                  <a:srgbClr val="3C3C3C"/>
-                </a:solidFill>
-              </a:defRPr>
-            </a:pPr>
-            <a:r>
-              <a:t>Layout 2: Section Header</a:t>
-            </a:r>
+          <p:cNvPr id="4" name="Content Placeholder 3"/>
+          <p:cNvSpPr>
+            <a:spLocks noGrp="1"/>
+          </p:cNvSpPr>
+          <p:nvPr>
+            <p:ph sz="half" idx="2"/>
+          </p:nvPr>
+        </p:nvSpPr>
+        <p:spPr/>
+        <p:txBody>
+          <a:bodyPr/>
+          <a:lstStyle/>
+          <a:p>
+            <a:endParaRPr/>
           </a:p>
         </p:txBody>
       </p:sp>
@@ -3609,79 +3225,6 @@
           </a:p>
         </p:txBody>
       </p:sp>
-      <p:sp>
-        <p:nvSpPr>
-          <p:cNvPr id="3" name="Content Placeholder 2"/>
-          <p:cNvSpPr>
-            <a:spLocks noGrp="1"/>
-          </p:cNvSpPr>
-          <p:nvPr>
-            <p:ph sz="half" idx="1"/>
-          </p:nvPr>
-        </p:nvSpPr>
-        <p:spPr/>
-        <p:txBody>
-          <a:bodyPr/>
-          <a:lstStyle/>
-          <a:p>
-            <a:endParaRPr/>
-          </a:p>
-        </p:txBody>
-      </p:sp>
-      <p:sp>
-        <p:nvSpPr>
-          <p:cNvPr id="4" name="Content Placeholder 3"/>
-          <p:cNvSpPr>
-            <a:spLocks noGrp="1"/>
-          </p:cNvSpPr>
-          <p:nvPr>
-            <p:ph sz="half" idx="2"/>
-          </p:nvPr>
-        </p:nvSpPr>
-        <p:spPr/>
-        <p:txBody>
-          <a:bodyPr/>
-          <a:lstStyle/>
-          <a:p>
-            <a:endParaRPr/>
-          </a:p>
-        </p:txBody>
-      </p:sp>
-      <p:sp>
-        <p:nvSpPr>
-          <p:cNvPr id="5" name="TextBox 4"/>
-          <p:cNvSpPr txBox="1"/>
-          <p:nvPr/>
-        </p:nvSpPr>
-        <p:spPr>
-          <a:xfrm>
-            <a:off x="274320" y="182880"/>
-            <a:ext cx="8229600" cy="548640"/>
-          </a:xfrm>
-          <a:prstGeom prst="rect">
-            <a:avLst/>
-          </a:prstGeom>
-          <a:noFill/>
-        </p:spPr>
-        <p:txBody>
-          <a:bodyPr wrap="none">
-            <a:spAutoFit/>
-          </a:bodyPr>
-          <a:lstStyle/>
-          <a:p>
-            <a:pPr>
-              <a:defRPr sz="1400" b="1">
-                <a:solidFill>
-                  <a:srgbClr val="3C3C3C"/>
-                </a:solidFill>
-              </a:defRPr>
-            </a:pPr>
-            <a:r>
-              <a:t>Layout 3: Two Content</a:t>
-            </a:r>
-          </a:p>
-        </p:txBody>
-      </p:sp>
     </p:spTree>
   </p:cSld>
   <p:clrMapOvr>
@@ -3802,41 +3345,6 @@
           </a:p>
         </p:txBody>
       </p:sp>
-      <p:sp>
-        <p:nvSpPr>
-          <p:cNvPr id="7" name="TextBox 6"/>
-          <p:cNvSpPr txBox="1"/>
-          <p:nvPr/>
-        </p:nvSpPr>
-        <p:spPr>
-          <a:xfrm>
-            <a:off x="274320" y="182880"/>
-            <a:ext cx="8229600" cy="548640"/>
-          </a:xfrm>
-          <a:prstGeom prst="rect">
-            <a:avLst/>
-          </a:prstGeom>
-          <a:noFill/>
-        </p:spPr>
-        <p:txBody>
-          <a:bodyPr wrap="none">
-            <a:spAutoFit/>
-          </a:bodyPr>
-          <a:lstStyle/>
-          <a:p>
-            <a:pPr>
-              <a:defRPr sz="1400" b="1">
-                <a:solidFill>
-                  <a:srgbClr val="3C3C3C"/>
-                </a:solidFill>
-              </a:defRPr>
-            </a:pPr>
-            <a:r>
-              <a:t>Layout 4: Comparison</a:t>
-            </a:r>
-          </a:p>
-        </p:txBody>
-      </p:sp>
     </p:spTree>
   </p:cSld>
   <p:clrMapOvr>
@@ -3883,132 +3391,12 @@
       </p:sp>
       <p:sp>
         <p:nvSpPr>
-          <p:cNvPr id="3" name="TextBox 2"/>
-          <p:cNvSpPr txBox="1"/>
-          <p:nvPr/>
-        </p:nvSpPr>
-        <p:spPr>
-          <a:xfrm>
-            <a:off x="274320" y="182880"/>
-            <a:ext cx="8229600" cy="548640"/>
-          </a:xfrm>
-          <a:prstGeom prst="rect">
-            <a:avLst/>
-          </a:prstGeom>
-          <a:noFill/>
-        </p:spPr>
-        <p:txBody>
-          <a:bodyPr wrap="none">
-            <a:spAutoFit/>
-          </a:bodyPr>
-          <a:lstStyle/>
-          <a:p>
-            <a:pPr>
-              <a:defRPr sz="1400" b="1">
-                <a:solidFill>
-                  <a:srgbClr val="3C3C3C"/>
-                </a:solidFill>
-              </a:defRPr>
-            </a:pPr>
-            <a:r>
-              <a:t>Layout 5: Title Only</a:t>
-            </a:r>
-          </a:p>
-        </p:txBody>
-      </p:sp>
-    </p:spTree>
-  </p:cSld>
-  <p:clrMapOvr>
-    <a:masterClrMapping/>
-  </p:clrMapOvr>
-</p:sld>
-</file>
-
-<file path=ppt/slides/slide7.xml><?xml version="1.0" encoding="utf-8"?>
-<p:sld xmlns:a="http://schemas.openxmlformats.org/drawingml/2006/main" xmlns:r="http://schemas.openxmlformats.org/officeDocument/2006/relationships" xmlns:p="http://schemas.openxmlformats.org/presentationml/2006/main">
-  <p:cSld>
-    <p:spTree>
-      <p:nvGrpSpPr>
-        <p:cNvPr id="1" name=""/>
-        <p:cNvGrpSpPr/>
-        <p:nvPr/>
-      </p:nvGrpSpPr>
-      <p:grpSpPr>
-        <a:xfrm>
-          <a:off x="0" y="0"/>
-          <a:ext cx="0" cy="0"/>
-          <a:chOff x="0" y="0"/>
-          <a:chExt cx="0" cy="0"/>
-        </a:xfrm>
-      </p:grpSpPr>
-      <p:sp>
-        <p:nvSpPr>
-          <p:cNvPr id="2" name="TextBox 1"/>
-          <p:cNvSpPr txBox="1"/>
-          <p:nvPr/>
-        </p:nvSpPr>
-        <p:spPr>
-          <a:xfrm>
-            <a:off x="274320" y="182880"/>
-            <a:ext cx="8229600" cy="548640"/>
-          </a:xfrm>
-          <a:prstGeom prst="rect">
-            <a:avLst/>
-          </a:prstGeom>
-          <a:noFill/>
-        </p:spPr>
-        <p:txBody>
-          <a:bodyPr wrap="none">
-            <a:spAutoFit/>
-          </a:bodyPr>
-          <a:lstStyle/>
-          <a:p>
-            <a:pPr>
-              <a:defRPr sz="1400" b="1">
-                <a:solidFill>
-                  <a:srgbClr val="3C3C3C"/>
-                </a:solidFill>
-              </a:defRPr>
-            </a:pPr>
-            <a:r>
-              <a:t>Layout 6: Blank</a:t>
-            </a:r>
-          </a:p>
-        </p:txBody>
-      </p:sp>
-    </p:spTree>
-  </p:cSld>
-  <p:clrMapOvr>
-    <a:masterClrMapping/>
-  </p:clrMapOvr>
-</p:sld>
-</file>
-
-<file path=ppt/slides/slide8.xml><?xml version="1.0" encoding="utf-8"?>
-<p:sld xmlns:a="http://schemas.openxmlformats.org/drawingml/2006/main" xmlns:r="http://schemas.openxmlformats.org/officeDocument/2006/relationships" xmlns:p="http://schemas.openxmlformats.org/presentationml/2006/main">
-  <p:cSld>
-    <p:spTree>
-      <p:nvGrpSpPr>
-        <p:cNvPr id="1" name=""/>
-        <p:cNvGrpSpPr/>
-        <p:nvPr/>
-      </p:nvGrpSpPr>
-      <p:grpSpPr>
-        <a:xfrm>
-          <a:off x="0" y="0"/>
-          <a:ext cx="0" cy="0"/>
-          <a:chOff x="0" y="0"/>
-          <a:chExt cx="0" cy="0"/>
-        </a:xfrm>
-      </p:grpSpPr>
-      <p:sp>
-        <p:nvSpPr>
-          <p:cNvPr id="2" name="Title 1"/>
-          <p:cNvSpPr>
-            <a:spLocks noGrp="1"/>
-          </p:cNvSpPr>
-          <p:nvPr>
-            <p:ph type="title"/>
+          <p:cNvPr id="3" name="Content Placeholder 2"/>
+          <p:cNvSpPr>
+            <a:spLocks noGrp="1"/>
+          </p:cNvSpPr>
+          <p:nvPr>
+            <p:ph idx="1"/>
           </p:nvPr>
         </p:nvSpPr>
         <p:spPr/>
@@ -4017,196 +3405,6 @@
           <a:lstStyle/>
           <a:p>
             <a:endParaRPr/>
-          </a:p>
-        </p:txBody>
-      </p:sp>
-      <p:sp>
-        <p:nvSpPr>
-          <p:cNvPr id="3" name="Content Placeholder 2"/>
-          <p:cNvSpPr>
-            <a:spLocks noGrp="1"/>
-          </p:cNvSpPr>
-          <p:nvPr>
-            <p:ph idx="1"/>
-          </p:nvPr>
-        </p:nvSpPr>
-        <p:spPr/>
-        <p:txBody>
-          <a:bodyPr/>
-          <a:lstStyle/>
-          <a:p>
-            <a:endParaRPr/>
-          </a:p>
-        </p:txBody>
-      </p:sp>
-      <p:sp>
-        <p:nvSpPr>
-          <p:cNvPr id="4" name="Text Placeholder 3"/>
-          <p:cNvSpPr>
-            <a:spLocks noGrp="1"/>
-          </p:cNvSpPr>
-          <p:nvPr>
-            <p:ph type="body" sz="half" idx="2"/>
-          </p:nvPr>
-        </p:nvSpPr>
-        <p:spPr/>
-        <p:txBody>
-          <a:bodyPr/>
-          <a:lstStyle/>
-          <a:p>
-            <a:endParaRPr/>
-          </a:p>
-        </p:txBody>
-      </p:sp>
-      <p:sp>
-        <p:nvSpPr>
-          <p:cNvPr id="5" name="TextBox 4"/>
-          <p:cNvSpPr txBox="1"/>
-          <p:nvPr/>
-        </p:nvSpPr>
-        <p:spPr>
-          <a:xfrm>
-            <a:off x="274320" y="182880"/>
-            <a:ext cx="8229600" cy="548640"/>
-          </a:xfrm>
-          <a:prstGeom prst="rect">
-            <a:avLst/>
-          </a:prstGeom>
-          <a:noFill/>
-        </p:spPr>
-        <p:txBody>
-          <a:bodyPr wrap="none">
-            <a:spAutoFit/>
-          </a:bodyPr>
-          <a:lstStyle/>
-          <a:p>
-            <a:pPr>
-              <a:defRPr sz="1400" b="1">
-                <a:solidFill>
-                  <a:srgbClr val="3C3C3C"/>
-                </a:solidFill>
-              </a:defRPr>
-            </a:pPr>
-            <a:r>
-              <a:t>Layout 7: Content with Caption</a:t>
-            </a:r>
-          </a:p>
-        </p:txBody>
-      </p:sp>
-    </p:spTree>
-  </p:cSld>
-  <p:clrMapOvr>
-    <a:masterClrMapping/>
-  </p:clrMapOvr>
-</p:sld>
-</file>
-
-<file path=ppt/slides/slide9.xml><?xml version="1.0" encoding="utf-8"?>
-<p:sld xmlns:a="http://schemas.openxmlformats.org/drawingml/2006/main" xmlns:r="http://schemas.openxmlformats.org/officeDocument/2006/relationships" xmlns:p="http://schemas.openxmlformats.org/presentationml/2006/main">
-  <p:cSld>
-    <p:spTree>
-      <p:nvGrpSpPr>
-        <p:cNvPr id="1" name=""/>
-        <p:cNvGrpSpPr/>
-        <p:nvPr/>
-      </p:nvGrpSpPr>
-      <p:grpSpPr>
-        <a:xfrm>
-          <a:off x="0" y="0"/>
-          <a:ext cx="0" cy="0"/>
-          <a:chOff x="0" y="0"/>
-          <a:chExt cx="0" cy="0"/>
-        </a:xfrm>
-      </p:grpSpPr>
-      <p:sp>
-        <p:nvSpPr>
-          <p:cNvPr id="2" name="Title 1"/>
-          <p:cNvSpPr>
-            <a:spLocks noGrp="1"/>
-          </p:cNvSpPr>
-          <p:nvPr>
-            <p:ph type="title"/>
-          </p:nvPr>
-        </p:nvSpPr>
-        <p:spPr/>
-        <p:txBody>
-          <a:bodyPr/>
-          <a:lstStyle/>
-          <a:p>
-            <a:endParaRPr/>
-          </a:p>
-        </p:txBody>
-      </p:sp>
-      <p:sp>
-        <p:nvSpPr>
-          <p:cNvPr id="3" name="Picture Placeholder 2"/>
-          <p:cNvSpPr>
-            <a:spLocks noGrp="1"/>
-          </p:cNvSpPr>
-          <p:nvPr>
-            <p:ph type="pic" idx="1"/>
-          </p:nvPr>
-        </p:nvSpPr>
-        <p:spPr/>
-        <p:txBody>
-          <a:bodyPr/>
-          <a:lstStyle/>
-          <a:p>
-            <a:endParaRPr lang="he-IL"/>
-          </a:p>
-        </p:txBody>
-      </p:sp>
-      <p:sp>
-        <p:nvSpPr>
-          <p:cNvPr id="4" name="Text Placeholder 3"/>
-          <p:cNvSpPr>
-            <a:spLocks noGrp="1"/>
-          </p:cNvSpPr>
-          <p:nvPr>
-            <p:ph type="body" sz="half" idx="2"/>
-          </p:nvPr>
-        </p:nvSpPr>
-        <p:spPr/>
-        <p:txBody>
-          <a:bodyPr/>
-          <a:lstStyle/>
-          <a:p>
-            <a:endParaRPr/>
-          </a:p>
-        </p:txBody>
-      </p:sp>
-      <p:sp>
-        <p:nvSpPr>
-          <p:cNvPr id="5" name="TextBox 4"/>
-          <p:cNvSpPr txBox="1"/>
-          <p:nvPr/>
-        </p:nvSpPr>
-        <p:spPr>
-          <a:xfrm>
-            <a:off x="274320" y="182880"/>
-            <a:ext cx="8229600" cy="548640"/>
-          </a:xfrm>
-          <a:prstGeom prst="rect">
-            <a:avLst/>
-          </a:prstGeom>
-          <a:noFill/>
-        </p:spPr>
-        <p:txBody>
-          <a:bodyPr wrap="none">
-            <a:spAutoFit/>
-          </a:bodyPr>
-          <a:lstStyle/>
-          <a:p>
-            <a:pPr>
-              <a:defRPr sz="1400" b="1">
-                <a:solidFill>
-                  <a:srgbClr val="3C3C3C"/>
-                </a:solidFill>
-              </a:defRPr>
-            </a:pPr>
-            <a:r>
-              <a:t>Layout 8: Picture with Caption</a:t>
-            </a:r>
           </a:p>
         </p:txBody>
       </p:sp>

--- a/reference.pptx
+++ b/reference.pptx
@@ -4,6 +4,9 @@
   <p:sldMasterIdLst>
     <p:sldMasterId id="2147483648" r:id="rId1"/>
   </p:sldMasterIdLst>
+  <p:handoutMasterIdLst>
+    <p:handoutMasterId r:id="rId8"/>
+  </p:handoutMasterIdLst>
   <p:sldIdLst>
     <p:sldId id="256" r:id="rId2"/>
     <p:sldId id="257" r:id="rId3"/>
@@ -124,8 +127,200 @@
         </p15:guide>
       </p15:sldGuideLst>
     </p:ext>
+    <p:ext uri="{2D200454-40CA-4A62-9FC3-DE9A4176ACB9}">
+      <p15:notesGuideLst xmlns:p15="http://schemas.microsoft.com/office/powerpoint/2012/main"/>
+    </p:ext>
   </p:extLst>
 </p:presentation>
+</file>
+
+<file path=ppt/handoutMasters/handoutMaster1.xml><?xml version="1.0" encoding="utf-8"?>
+<p:handoutMaster xmlns:a="http://schemas.openxmlformats.org/drawingml/2006/main" xmlns:r="http://schemas.openxmlformats.org/officeDocument/2006/relationships" xmlns:p="http://schemas.openxmlformats.org/presentationml/2006/main">
+  <p:cSld>
+    <p:bg>
+      <p:bgRef idx="1001">
+        <a:schemeClr val="bg1"/>
+      </p:bgRef>
+    </p:bg>
+    <p:spTree>
+      <p:nvGrpSpPr>
+        <p:cNvPr id="1" name=""/>
+        <p:cNvGrpSpPr/>
+        <p:nvPr/>
+      </p:nvGrpSpPr>
+      <p:grpSpPr>
+        <a:xfrm>
+          <a:off x="0" y="0"/>
+          <a:ext cx="0" cy="0"/>
+          <a:chOff x="0" y="0"/>
+          <a:chExt cx="0" cy="0"/>
+        </a:xfrm>
+      </p:grpSpPr>
+      <p:sp>
+        <p:nvSpPr>
+          <p:cNvPr id="2" name="מציין מיקום של כותרת עליונה 1">
+            <a:extLst>
+              <a:ext uri="{FF2B5EF4-FFF2-40B4-BE49-F238E27FC236}">
+                <a16:creationId xmlns:a16="http://schemas.microsoft.com/office/drawing/2014/main" id="{88C2F8D5-7A60-546D-875A-304D07F1058F}"/>
+              </a:ext>
+            </a:extLst>
+          </p:cNvPr>
+          <p:cNvSpPr>
+            <a:spLocks noGrp="1"/>
+          </p:cNvSpPr>
+          <p:nvPr>
+            <p:ph type="hdr" sz="quarter"/>
+          </p:nvPr>
+        </p:nvSpPr>
+        <p:spPr>
+          <a:xfrm>
+            <a:off x="3886200" y="0"/>
+            <a:ext cx="2971800" cy="458788"/>
+          </a:xfrm>
+          <a:prstGeom prst="rect">
+            <a:avLst/>
+          </a:prstGeom>
+        </p:spPr>
+        <p:txBody>
+          <a:bodyPr vert="horz" lIns="91440" tIns="45720" rIns="91440" bIns="45720" rtlCol="1"/>
+          <a:lstStyle>
+            <a:lvl1pPr algn="r">
+              <a:defRPr sz="1200"/>
+            </a:lvl1pPr>
+          </a:lstStyle>
+          <a:p>
+            <a:endParaRPr lang="he-IL"/>
+          </a:p>
+        </p:txBody>
+      </p:sp>
+      <p:sp>
+        <p:nvSpPr>
+          <p:cNvPr id="3" name="מציין מיקום של תאריך 2">
+            <a:extLst>
+              <a:ext uri="{FF2B5EF4-FFF2-40B4-BE49-F238E27FC236}">
+                <a16:creationId xmlns:a16="http://schemas.microsoft.com/office/drawing/2014/main" id="{ED979C77-A289-3785-8842-26F881D78C93}"/>
+              </a:ext>
+            </a:extLst>
+          </p:cNvPr>
+          <p:cNvSpPr>
+            <a:spLocks noGrp="1"/>
+          </p:cNvSpPr>
+          <p:nvPr>
+            <p:ph type="dt" sz="quarter" idx="1"/>
+          </p:nvPr>
+        </p:nvSpPr>
+        <p:spPr>
+          <a:xfrm>
+            <a:off x="1588" y="0"/>
+            <a:ext cx="2971800" cy="458788"/>
+          </a:xfrm>
+          <a:prstGeom prst="rect">
+            <a:avLst/>
+          </a:prstGeom>
+        </p:spPr>
+        <p:txBody>
+          <a:bodyPr vert="horz" lIns="91440" tIns="45720" rIns="91440" bIns="45720" rtlCol="1"/>
+          <a:lstStyle>
+            <a:lvl1pPr algn="l">
+              <a:defRPr sz="1200"/>
+            </a:lvl1pPr>
+          </a:lstStyle>
+          <a:p>
+            <a:fld id="{DD925C12-D9C3-4748-B45F-0C5A2B3C54BA}" type="datetimeFigureOut">
+              <a:rPr lang="he-IL" smtClean="0"/>
+              <a:t>י"א.שבט.תשפ"ו</a:t>
+            </a:fld>
+            <a:endParaRPr lang="he-IL"/>
+          </a:p>
+        </p:txBody>
+      </p:sp>
+      <p:sp>
+        <p:nvSpPr>
+          <p:cNvPr id="4" name="מציין מיקום של כותרת תחתונה 3">
+            <a:extLst>
+              <a:ext uri="{FF2B5EF4-FFF2-40B4-BE49-F238E27FC236}">
+                <a16:creationId xmlns:a16="http://schemas.microsoft.com/office/drawing/2014/main" id="{C5C9FE86-F05A-482D-7862-48D4B6C82698}"/>
+              </a:ext>
+            </a:extLst>
+          </p:cNvPr>
+          <p:cNvSpPr>
+            <a:spLocks noGrp="1"/>
+          </p:cNvSpPr>
+          <p:nvPr>
+            <p:ph type="ftr" sz="quarter" idx="2"/>
+          </p:nvPr>
+        </p:nvSpPr>
+        <p:spPr>
+          <a:xfrm>
+            <a:off x="3886200" y="8685213"/>
+            <a:ext cx="2971800" cy="458787"/>
+          </a:xfrm>
+          <a:prstGeom prst="rect">
+            <a:avLst/>
+          </a:prstGeom>
+        </p:spPr>
+        <p:txBody>
+          <a:bodyPr vert="horz" lIns="91440" tIns="45720" rIns="91440" bIns="45720" rtlCol="1" anchor="b"/>
+          <a:lstStyle>
+            <a:lvl1pPr algn="r">
+              <a:defRPr sz="1200"/>
+            </a:lvl1pPr>
+          </a:lstStyle>
+          <a:p>
+            <a:endParaRPr lang="he-IL"/>
+          </a:p>
+        </p:txBody>
+      </p:sp>
+      <p:sp>
+        <p:nvSpPr>
+          <p:cNvPr id="5" name="מציין מיקום של מספר שקופית 4">
+            <a:extLst>
+              <a:ext uri="{FF2B5EF4-FFF2-40B4-BE49-F238E27FC236}">
+                <a16:creationId xmlns:a16="http://schemas.microsoft.com/office/drawing/2014/main" id="{DE3168A6-B486-C302-FB0F-AE3062FB7ECC}"/>
+              </a:ext>
+            </a:extLst>
+          </p:cNvPr>
+          <p:cNvSpPr>
+            <a:spLocks noGrp="1"/>
+          </p:cNvSpPr>
+          <p:nvPr>
+            <p:ph type="sldNum" sz="quarter" idx="3"/>
+          </p:nvPr>
+        </p:nvSpPr>
+        <p:spPr>
+          <a:xfrm>
+            <a:off x="1588" y="8685213"/>
+            <a:ext cx="2971800" cy="458787"/>
+          </a:xfrm>
+          <a:prstGeom prst="rect">
+            <a:avLst/>
+          </a:prstGeom>
+        </p:spPr>
+        <p:txBody>
+          <a:bodyPr vert="horz" lIns="91440" tIns="45720" rIns="91440" bIns="45720" rtlCol="1" anchor="b"/>
+          <a:lstStyle>
+            <a:lvl1pPr algn="l">
+              <a:defRPr sz="1200"/>
+            </a:lvl1pPr>
+          </a:lstStyle>
+          <a:p>
+            <a:fld id="{F1374EC9-4CFD-FD43-9C33-B918F366C087}" type="slidenum">
+              <a:rPr lang="he-IL" smtClean="0"/>
+              <a:t>‹#›</a:t>
+            </a:fld>
+            <a:endParaRPr lang="he-IL"/>
+          </a:p>
+        </p:txBody>
+      </p:sp>
+    </p:spTree>
+    <p:extLst>
+      <p:ext uri="{BB962C8B-B14F-4D97-AF65-F5344CB8AC3E}">
+        <p14:creationId xmlns:p14="http://schemas.microsoft.com/office/powerpoint/2010/main" val="3425088417"/>
+      </p:ext>
+    </p:extLst>
+  </p:cSld>
+  <p:clrMap bg1="lt1" tx1="dk1" bg2="lt2" tx2="dk2" accent1="accent1" accent2="accent2" accent3="accent3" accent4="accent4" accent5="accent5" accent6="accent6" hlink="hlink" folHlink="folHlink"/>
+</p:handoutMaster>
 </file>
 
 <file path=ppt/slideLayouts/slideLayout1.xml><?xml version="1.0" encoding="utf-8"?>
@@ -152,7 +347,7 @@
             <a:spLocks noGrp="1"/>
           </p:cNvSpPr>
           <p:nvPr>
-            <p:ph type="ctrTitle"/>
+            <p:ph type="ctrTitle" hasCustomPrompt="1"/>
           </p:nvPr>
         </p:nvSpPr>
         <p:spPr>
@@ -163,7 +358,11 @@
         </p:spPr>
         <p:txBody>
           <a:bodyPr/>
-          <a:lstStyle/>
+          <a:lstStyle>
+            <a:lvl1pPr>
+              <a:defRPr sz="4200"/>
+            </a:lvl1pPr>
+          </a:lstStyle>
           <a:p>
             <a:r>
               <a:rPr lang="en-US" dirty="0"/>
@@ -284,7 +483,7 @@
           </a:lstStyle>
           <a:p>
             <a:r>
-              <a:rPr lang="en-US"/>
+              <a:rPr lang="en-US" dirty="0"/>
               <a:t>Click to edit Master subtitle style</a:t>
             </a:r>
           </a:p>
@@ -923,37 +1122,6 @@
       </p:grpSpPr>
       <p:sp>
         <p:nvSpPr>
-          <p:cNvPr id="2" name="Title 1"/>
-          <p:cNvSpPr>
-            <a:spLocks noGrp="1"/>
-          </p:cNvSpPr>
-          <p:nvPr>
-            <p:ph type="title" hasCustomPrompt="1"/>
-          </p:nvPr>
-        </p:nvSpPr>
-        <p:spPr>
-          <a:xfrm>
-            <a:off x="1219200" y="2066925"/>
-            <a:ext cx="10363200" cy="1362075"/>
-          </a:xfrm>
-        </p:spPr>
-        <p:txBody>
-          <a:bodyPr anchor="t"/>
-          <a:lstStyle>
-            <a:lvl1pPr algn="ctr">
-              <a:defRPr sz="4000" b="1" cap="all"/>
-            </a:lvl1pPr>
-          </a:lstStyle>
-          <a:p>
-            <a:r>
-              <a:rPr lang="en-US" dirty="0"/>
-              <a:t>MASTER STYLE</a:t>
-            </a:r>
-          </a:p>
-        </p:txBody>
-      </p:sp>
-      <p:sp>
-        <p:nvSpPr>
           <p:cNvPr id="4" name="Date Placeholder 3"/>
           <p:cNvSpPr>
             <a:spLocks noGrp="1"/>
@@ -1014,6 +1182,43 @@
               <a:t>‹#›</a:t>
             </a:fld>
             <a:endParaRPr lang="en-US"/>
+          </a:p>
+        </p:txBody>
+      </p:sp>
+      <p:sp>
+        <p:nvSpPr>
+          <p:cNvPr id="3" name="Title 1">
+            <a:extLst>
+              <a:ext uri="{FF2B5EF4-FFF2-40B4-BE49-F238E27FC236}">
+                <a16:creationId xmlns:a16="http://schemas.microsoft.com/office/drawing/2014/main" id="{129F15AE-737D-866E-3CF2-D0120AD833A4}"/>
+              </a:ext>
+            </a:extLst>
+          </p:cNvPr>
+          <p:cNvSpPr>
+            <a:spLocks noGrp="1"/>
+          </p:cNvSpPr>
+          <p:nvPr>
+            <p:ph type="ctrTitle" hasCustomPrompt="1"/>
+          </p:nvPr>
+        </p:nvSpPr>
+        <p:spPr>
+          <a:xfrm>
+            <a:off x="914400" y="2130426"/>
+            <a:ext cx="10363200" cy="1470025"/>
+          </a:xfrm>
+        </p:spPr>
+        <p:txBody>
+          <a:bodyPr/>
+          <a:lstStyle>
+            <a:lvl1pPr>
+              <a:defRPr sz="4200"/>
+            </a:lvl1pPr>
+          </a:lstStyle>
+          <a:p>
+            <a:r>
+              <a:rPr lang="en-US" dirty="0"/>
+              <a:t>Click to edit Master title style</a:t>
+            </a:r>
           </a:p>
         </p:txBody>
       </p:sp>
@@ -2510,10 +2715,126 @@
             <a:off x="609600" y="274638"/>
             <a:ext cx="10972800" cy="1143000"/>
           </a:xfrm>
-          <a:prstGeom prst="rect">
+          <a:prstGeom prst="roundRect">
             <a:avLst/>
           </a:prstGeom>
+          <a:ln w="12700">
+            <a:solidFill>
+              <a:schemeClr val="accent2"/>
+            </a:solidFill>
+            <a:extLst>
+              <a:ext uri="{C807C97D-BFC1-408E-A445-0C87EB9F89A2}">
+                <ask:lineSketchStyleProps xmlns:ask="http://schemas.microsoft.com/office/drawing/2018/sketchyshapes" sd="1219033472">
+                  <a:custGeom>
+                    <a:avLst/>
+                    <a:gdLst>
+                      <a:gd name="csX0" fmla="*/ 0 w 10972800"/>
+                      <a:gd name="csY0" fmla="*/ 0 h 1143000"/>
+                      <a:gd name="csX1" fmla="*/ 10972800 w 10972800"/>
+                      <a:gd name="csY1" fmla="*/ 0 h 1143000"/>
+                      <a:gd name="csX2" fmla="*/ 10972800 w 10972800"/>
+                      <a:gd name="csY2" fmla="*/ 1143000 h 1143000"/>
+                      <a:gd name="csX3" fmla="*/ 0 w 10972800"/>
+                      <a:gd name="csY3" fmla="*/ 1143000 h 1143000"/>
+                      <a:gd name="csX4" fmla="*/ 0 w 10972800"/>
+                      <a:gd name="csY4" fmla="*/ 0 h 1143000"/>
+                    </a:gdLst>
+                    <a:ahLst/>
+                    <a:cxnLst>
+                      <a:cxn ang="0">
+                        <a:pos x="csX0" y="csY0"/>
+                      </a:cxn>
+                      <a:cxn ang="0">
+                        <a:pos x="csX1" y="csY1"/>
+                      </a:cxn>
+                      <a:cxn ang="0">
+                        <a:pos x="csX2" y="csY2"/>
+                      </a:cxn>
+                      <a:cxn ang="0">
+                        <a:pos x="csX3" y="csY3"/>
+                      </a:cxn>
+                      <a:cxn ang="0">
+                        <a:pos x="csX4" y="csY4"/>
+                      </a:cxn>
+                    </a:cxnLst>
+                    <a:rect l="l" t="t" r="r" b="b"/>
+                    <a:pathLst>
+                      <a:path w="10972800" h="1143000" fill="none" extrusionOk="0">
+                        <a:moveTo>
+                          <a:pt x="0" y="0"/>
+                        </a:moveTo>
+                        <a:cubicBezTo>
+                          <a:pt x="4674310" y="-49533"/>
+                          <a:pt x="6929254" y="-14809"/>
+                          <a:pt x="10972800" y="0"/>
+                        </a:cubicBezTo>
+                        <a:cubicBezTo>
+                          <a:pt x="10969069" y="570730"/>
+                          <a:pt x="11062171" y="914526"/>
+                          <a:pt x="10972800" y="1143000"/>
+                        </a:cubicBezTo>
+                        <a:cubicBezTo>
+                          <a:pt x="6482996" y="1094769"/>
+                          <a:pt x="3552735" y="1227455"/>
+                          <a:pt x="0" y="1143000"/>
+                        </a:cubicBezTo>
+                        <a:cubicBezTo>
+                          <a:pt x="69309" y="672287"/>
+                          <a:pt x="-28229" y="279082"/>
+                          <a:pt x="0" y="0"/>
+                        </a:cubicBezTo>
+                        <a:close/>
+                      </a:path>
+                      <a:path w="10972800" h="1143000" stroke="0" extrusionOk="0">
+                        <a:moveTo>
+                          <a:pt x="0" y="0"/>
+                        </a:moveTo>
+                        <a:cubicBezTo>
+                          <a:pt x="3528079" y="118645"/>
+                          <a:pt x="9610931" y="116012"/>
+                          <a:pt x="10972800" y="0"/>
+                        </a:cubicBezTo>
+                        <a:cubicBezTo>
+                          <a:pt x="11055528" y="134374"/>
+                          <a:pt x="10882381" y="1028043"/>
+                          <a:pt x="10972800" y="1143000"/>
+                        </a:cubicBezTo>
+                        <a:cubicBezTo>
+                          <a:pt x="8799093" y="1277600"/>
+                          <a:pt x="3316512" y="985804"/>
+                          <a:pt x="0" y="1143000"/>
+                        </a:cubicBezTo>
+                        <a:cubicBezTo>
+                          <a:pt x="94203" y="956839"/>
+                          <a:pt x="-18710" y="289479"/>
+                          <a:pt x="0" y="0"/>
+                        </a:cubicBezTo>
+                        <a:close/>
+                      </a:path>
+                    </a:pathLst>
+                  </a:custGeom>
+                  <ask:type>
+                    <ask:lineSketchNone/>
+                  </ask:type>
+                </ask:lineSketchStyleProps>
+              </a:ext>
+            </a:extLst>
+          </a:ln>
         </p:spPr>
+        <p:style>
+          <a:lnRef idx="2">
+            <a:schemeClr val="accent2"/>
+          </a:lnRef>
+          <a:fillRef idx="1">
+            <a:schemeClr val="lt1"/>
+          </a:fillRef>
+          <a:effectRef idx="0">
+            <a:schemeClr val="accent2"/>
+          </a:effectRef>
+          <a:fontRef idx="minor">
+            <a:schemeClr val="dk1"/>
+          </a:fontRef>
+        </p:style>
         <p:txBody>
           <a:bodyPr vert="horz" lIns="91440" tIns="45720" rIns="91440" bIns="45720" rtlCol="0" anchor="ctr">
             <a:normAutofit/>
@@ -2704,6 +3025,156 @@
               <a:t>‹#›</a:t>
             </a:fld>
             <a:endParaRPr lang="en-US"/>
+          </a:p>
+        </p:txBody>
+      </p:sp>
+      <p:sp>
+        <p:nvSpPr>
+          <p:cNvPr id="8" name="Freeform 6">
+            <a:extLst>
+              <a:ext uri="{FF2B5EF4-FFF2-40B4-BE49-F238E27FC236}">
+                <a16:creationId xmlns:a16="http://schemas.microsoft.com/office/drawing/2014/main" id="{9E54F053-C5B3-FA53-FB24-F76EBC23E5F7}"/>
+              </a:ext>
+            </a:extLst>
+          </p:cNvPr>
+          <p:cNvSpPr/>
+          <p:nvPr/>
+        </p:nvSpPr>
+        <p:spPr>
+          <a:xfrm>
+            <a:off x="10492509" y="-832013"/>
+            <a:ext cx="5901557" cy="7690013"/>
+          </a:xfrm>
+          <a:custGeom>
+            <a:avLst/>
+            <a:gdLst/>
+            <a:ahLst/>
+            <a:cxnLst/>
+            <a:rect l="l" t="t" r="r" b="b"/>
+            <a:pathLst>
+              <a:path w="812800" h="812800">
+                <a:moveTo>
+                  <a:pt x="406400" y="0"/>
+                </a:moveTo>
+                <a:cubicBezTo>
+                  <a:pt x="181951" y="0"/>
+                  <a:pt x="0" y="181951"/>
+                  <a:pt x="0" y="406400"/>
+                </a:cubicBezTo>
+                <a:cubicBezTo>
+                  <a:pt x="0" y="630849"/>
+                  <a:pt x="181951" y="812800"/>
+                  <a:pt x="406400" y="812800"/>
+                </a:cubicBezTo>
+                <a:cubicBezTo>
+                  <a:pt x="630849" y="812800"/>
+                  <a:pt x="812800" y="630849"/>
+                  <a:pt x="812800" y="406400"/>
+                </a:cubicBezTo>
+                <a:cubicBezTo>
+                  <a:pt x="812800" y="181951"/>
+                  <a:pt x="630849" y="0"/>
+                  <a:pt x="406400" y="0"/>
+                </a:cubicBezTo>
+                <a:close/>
+              </a:path>
+            </a:pathLst>
+          </a:custGeom>
+          <a:solidFill>
+            <a:srgbClr val="000000">
+              <a:alpha val="0"/>
+            </a:srgbClr>
+          </a:solidFill>
+          <a:ln w="57150" cap="sq">
+            <a:solidFill>
+              <a:srgbClr val="941100">
+                <a:alpha val="44000"/>
+              </a:srgbClr>
+            </a:solidFill>
+            <a:prstDash val="solid"/>
+            <a:miter/>
+          </a:ln>
+        </p:spPr>
+        <p:txBody>
+          <a:bodyPr/>
+          <a:lstStyle/>
+          <a:p>
+            <a:endParaRPr lang="en-IL"/>
+          </a:p>
+        </p:txBody>
+      </p:sp>
+      <p:sp>
+        <p:nvSpPr>
+          <p:cNvPr id="12" name="Freeform 20">
+            <a:extLst>
+              <a:ext uri="{FF2B5EF4-FFF2-40B4-BE49-F238E27FC236}">
+                <a16:creationId xmlns:a16="http://schemas.microsoft.com/office/drawing/2014/main" id="{C6ADFD82-3296-8C7F-2ACC-D8399785AC79}"/>
+              </a:ext>
+            </a:extLst>
+          </p:cNvPr>
+          <p:cNvSpPr/>
+          <p:nvPr/>
+        </p:nvSpPr>
+        <p:spPr>
+          <a:xfrm>
+            <a:off x="-6457700" y="-1088358"/>
+            <a:ext cx="7329616" cy="7329616"/>
+          </a:xfrm>
+          <a:custGeom>
+            <a:avLst/>
+            <a:gdLst/>
+            <a:ahLst/>
+            <a:cxnLst/>
+            <a:rect l="l" t="t" r="r" b="b"/>
+            <a:pathLst>
+              <a:path w="812800" h="812800">
+                <a:moveTo>
+                  <a:pt x="406400" y="0"/>
+                </a:moveTo>
+                <a:cubicBezTo>
+                  <a:pt x="181951" y="0"/>
+                  <a:pt x="0" y="181951"/>
+                  <a:pt x="0" y="406400"/>
+                </a:cubicBezTo>
+                <a:cubicBezTo>
+                  <a:pt x="0" y="630849"/>
+                  <a:pt x="181951" y="812800"/>
+                  <a:pt x="406400" y="812800"/>
+                </a:cubicBezTo>
+                <a:cubicBezTo>
+                  <a:pt x="630849" y="812800"/>
+                  <a:pt x="812800" y="630849"/>
+                  <a:pt x="812800" y="406400"/>
+                </a:cubicBezTo>
+                <a:cubicBezTo>
+                  <a:pt x="812800" y="181951"/>
+                  <a:pt x="630849" y="0"/>
+                  <a:pt x="406400" y="0"/>
+                </a:cubicBezTo>
+                <a:close/>
+              </a:path>
+            </a:pathLst>
+          </a:custGeom>
+          <a:solidFill>
+            <a:srgbClr val="000000">
+              <a:alpha val="0"/>
+            </a:srgbClr>
+          </a:solidFill>
+          <a:ln w="514350" cap="sq">
+            <a:solidFill>
+              <a:srgbClr val="941100">
+                <a:alpha val="17929"/>
+              </a:srgbClr>
+            </a:solidFill>
+            <a:prstDash val="solid"/>
+            <a:miter/>
+          </a:ln>
+        </p:spPr>
+        <p:txBody>
+          <a:bodyPr/>
+          <a:lstStyle/>
+          <a:p>
+            <a:endParaRPr lang="en-IL" sz="933"/>
           </a:p>
         </p:txBody>
       </p:sp>
@@ -2747,8 +3218,11 @@
     </p:titleStyle>
     <p:bodyStyle>
       <a:lvl1pPr marL="342900" indent="-342900" algn="l" defTabSz="457200" rtl="0" eaLnBrk="1" latinLnBrk="0" hangingPunct="1">
+        <a:lnSpc>
+          <a:spcPct val="130000"/>
+        </a:lnSpc>
         <a:spcBef>
-          <a:spcPct val="20000"/>
+          <a:spcPts val="0"/>
         </a:spcBef>
         <a:buFont typeface="Arial"/>
         <a:buChar char="•"/>
@@ -2762,8 +3236,11 @@
         </a:defRPr>
       </a:lvl1pPr>
       <a:lvl2pPr marL="742950" indent="-285750" algn="l" defTabSz="457200" rtl="0" eaLnBrk="1" latinLnBrk="0" hangingPunct="1">
+        <a:lnSpc>
+          <a:spcPct val="130000"/>
+        </a:lnSpc>
         <a:spcBef>
-          <a:spcPct val="20000"/>
+          <a:spcPts val="0"/>
         </a:spcBef>
         <a:buFont typeface="Arial"/>
         <a:buChar char="–"/>
@@ -2777,8 +3254,11 @@
         </a:defRPr>
       </a:lvl2pPr>
       <a:lvl3pPr marL="1143000" indent="-228600" algn="l" defTabSz="457200" rtl="0" eaLnBrk="1" latinLnBrk="0" hangingPunct="1">
+        <a:lnSpc>
+          <a:spcPct val="130000"/>
+        </a:lnSpc>
         <a:spcBef>
-          <a:spcPct val="20000"/>
+          <a:spcPts val="0"/>
         </a:spcBef>
         <a:buFont typeface="Arial"/>
         <a:buChar char="•"/>
@@ -2792,8 +3272,11 @@
         </a:defRPr>
       </a:lvl3pPr>
       <a:lvl4pPr marL="1600200" indent="-228600" algn="l" defTabSz="457200" rtl="0" eaLnBrk="1" latinLnBrk="0" hangingPunct="1">
+        <a:lnSpc>
+          <a:spcPct val="130000"/>
+        </a:lnSpc>
         <a:spcBef>
-          <a:spcPct val="20000"/>
+          <a:spcPts val="0"/>
         </a:spcBef>
         <a:buFont typeface="Arial"/>
         <a:buChar char="–"/>
@@ -2807,8 +3290,11 @@
         </a:defRPr>
       </a:lvl4pPr>
       <a:lvl5pPr marL="2057400" indent="-228600" algn="l" defTabSz="457200" rtl="0" eaLnBrk="1" latinLnBrk="0" hangingPunct="1">
+        <a:lnSpc>
+          <a:spcPct val="130000"/>
+        </a:lnSpc>
         <a:spcBef>
-          <a:spcPct val="20000"/>
+          <a:spcPts val="0"/>
         </a:spcBef>
         <a:buFont typeface="Arial"/>
         <a:buChar char="»"/>
@@ -3281,7 +3767,9 @@
         </p:nvSpPr>
         <p:spPr/>
         <p:txBody>
-          <a:bodyPr/>
+          <a:bodyPr>
+            <a:normAutofit/>
+          </a:bodyPr>
           <a:lstStyle/>
           <a:p>
             <a:endParaRPr/>
@@ -3319,7 +3807,9 @@
         </p:nvSpPr>
         <p:spPr/>
         <p:txBody>
-          <a:bodyPr/>
+          <a:bodyPr>
+            <a:normAutofit/>
+          </a:bodyPr>
           <a:lstStyle/>
           <a:p>
             <a:endParaRPr/>
@@ -3734,4 +4224,319 @@
   </a:objectDefaults>
   <a:extraClrSchemeLst/>
 </a:theme>
+</file>
+
+<file path=ppt/theme/theme2.xml><?xml version="1.0" encoding="utf-8"?>
+<a:theme xmlns:a="http://schemas.openxmlformats.org/drawingml/2006/main" name="ערכת נושא Office">
+  <a:themeElements>
+    <a:clrScheme name="Office">
+      <a:dk1>
+        <a:sysClr val="windowText" lastClr="000000"/>
+      </a:dk1>
+      <a:lt1>
+        <a:sysClr val="window" lastClr="FFFFFF"/>
+      </a:lt1>
+      <a:dk2>
+        <a:srgbClr val="0E2841"/>
+      </a:dk2>
+      <a:lt2>
+        <a:srgbClr val="E8E8E8"/>
+      </a:lt2>
+      <a:accent1>
+        <a:srgbClr val="156082"/>
+      </a:accent1>
+      <a:accent2>
+        <a:srgbClr val="E97132"/>
+      </a:accent2>
+      <a:accent3>
+        <a:srgbClr val="196B24"/>
+      </a:accent3>
+      <a:accent4>
+        <a:srgbClr val="0F9ED5"/>
+      </a:accent4>
+      <a:accent5>
+        <a:srgbClr val="A02B93"/>
+      </a:accent5>
+      <a:accent6>
+        <a:srgbClr val="4EA72E"/>
+      </a:accent6>
+      <a:hlink>
+        <a:srgbClr val="467886"/>
+      </a:hlink>
+      <a:folHlink>
+        <a:srgbClr val="96607D"/>
+      </a:folHlink>
+    </a:clrScheme>
+    <a:fontScheme name="Office">
+      <a:majorFont>
+        <a:latin typeface="Aptos Display" panose="02110004020202020204"/>
+        <a:ea typeface=""/>
+        <a:cs typeface=""/>
+        <a:font script="Jpan" typeface="游ゴシック Light"/>
+        <a:font script="Hang" typeface="맑은 고딕"/>
+        <a:font script="Hans" typeface="等线 Light"/>
+        <a:font script="Hant" typeface="新細明體"/>
+        <a:font script="Arab" typeface="Times New Roman"/>
+        <a:font script="Hebr" typeface="Times New Roman"/>
+        <a:font script="Thai" typeface="Angsana New"/>
+        <a:font script="Ethi" typeface="Nyala"/>
+        <a:font script="Beng" typeface="Vrinda"/>
+        <a:font script="Gujr" typeface="Shruti"/>
+        <a:font script="Khmr" typeface="MoolBoran"/>
+        <a:font script="Knda" typeface="Tunga"/>
+        <a:font script="Guru" typeface="Raavi"/>
+        <a:font script="Cans" typeface="Euphemia"/>
+        <a:font script="Cher" typeface="Plantagenet Cherokee"/>
+        <a:font script="Yiii" typeface="Microsoft Yi Baiti"/>
+        <a:font script="Tibt" typeface="Microsoft Himalaya"/>
+        <a:font script="Thaa" typeface="MV Boli"/>
+        <a:font script="Deva" typeface="Mangal"/>
+        <a:font script="Telu" typeface="Gautami"/>
+        <a:font script="Taml" typeface="Latha"/>
+        <a:font script="Syrc" typeface="Estrangelo Edessa"/>
+        <a:font script="Orya" typeface="Kalinga"/>
+        <a:font script="Mlym" typeface="Kartika"/>
+        <a:font script="Laoo" typeface="DokChampa"/>
+        <a:font script="Sinh" typeface="Iskoola Pota"/>
+        <a:font script="Mong" typeface="Mongolian Baiti"/>
+        <a:font script="Viet" typeface="Times New Roman"/>
+        <a:font script="Uigh" typeface="Microsoft Uighur"/>
+        <a:font script="Geor" typeface="Sylfaen"/>
+        <a:font script="Armn" typeface="Arial"/>
+        <a:font script="Bugi" typeface="Leelawadee UI"/>
+        <a:font script="Bopo" typeface="Microsoft JhengHei"/>
+        <a:font script="Java" typeface="Javanese Text"/>
+        <a:font script="Lisu" typeface="Segoe UI"/>
+        <a:font script="Mymr" typeface="Myanmar Text"/>
+        <a:font script="Nkoo" typeface="Ebrima"/>
+        <a:font script="Olck" typeface="Nirmala UI"/>
+        <a:font script="Osma" typeface="Ebrima"/>
+        <a:font script="Phag" typeface="Phagspa"/>
+        <a:font script="Syrn" typeface="Estrangelo Edessa"/>
+        <a:font script="Syrj" typeface="Estrangelo Edessa"/>
+        <a:font script="Syre" typeface="Estrangelo Edessa"/>
+        <a:font script="Sora" typeface="Nirmala UI"/>
+        <a:font script="Tale" typeface="Microsoft Tai Le"/>
+        <a:font script="Talu" typeface="Microsoft New Tai Lue"/>
+        <a:font script="Tfng" typeface="Ebrima"/>
+      </a:majorFont>
+      <a:minorFont>
+        <a:latin typeface="Aptos" panose="02110004020202020204"/>
+        <a:ea typeface=""/>
+        <a:cs typeface=""/>
+        <a:font script="Jpan" typeface="游ゴシック"/>
+        <a:font script="Hang" typeface="맑은 고딕"/>
+        <a:font script="Hans" typeface="等线"/>
+        <a:font script="Hant" typeface="新細明體"/>
+        <a:font script="Arab" typeface="Arial"/>
+        <a:font script="Hebr" typeface="Arial"/>
+        <a:font script="Thai" typeface="Cordia New"/>
+        <a:font script="Ethi" typeface="Nyala"/>
+        <a:font script="Beng" typeface="Vrinda"/>
+        <a:font script="Gujr" typeface="Shruti"/>
+        <a:font script="Khmr" typeface="DaunPenh"/>
+        <a:font script="Knda" typeface="Tunga"/>
+        <a:font script="Guru" typeface="Raavi"/>
+        <a:font script="Cans" typeface="Euphemia"/>
+        <a:font script="Cher" typeface="Plantagenet Cherokee"/>
+        <a:font script="Yiii" typeface="Microsoft Yi Baiti"/>
+        <a:font script="Tibt" typeface="Microsoft Himalaya"/>
+        <a:font script="Thaa" typeface="MV Boli"/>
+        <a:font script="Deva" typeface="Mangal"/>
+        <a:font script="Telu" typeface="Gautami"/>
+        <a:font script="Taml" typeface="Latha"/>
+        <a:font script="Syrc" typeface="Estrangelo Edessa"/>
+        <a:font script="Orya" typeface="Kalinga"/>
+        <a:font script="Mlym" typeface="Kartika"/>
+        <a:font script="Laoo" typeface="DokChampa"/>
+        <a:font script="Sinh" typeface="Iskoola Pota"/>
+        <a:font script="Mong" typeface="Mongolian Baiti"/>
+        <a:font script="Viet" typeface="Arial"/>
+        <a:font script="Uigh" typeface="Microsoft Uighur"/>
+        <a:font script="Geor" typeface="Sylfaen"/>
+        <a:font script="Armn" typeface="Arial"/>
+        <a:font script="Bugi" typeface="Leelawadee UI"/>
+        <a:font script="Bopo" typeface="Microsoft JhengHei"/>
+        <a:font script="Java" typeface="Javanese Text"/>
+        <a:font script="Lisu" typeface="Segoe UI"/>
+        <a:font script="Mymr" typeface="Myanmar Text"/>
+        <a:font script="Nkoo" typeface="Ebrima"/>
+        <a:font script="Olck" typeface="Nirmala UI"/>
+        <a:font script="Osma" typeface="Ebrima"/>
+        <a:font script="Phag" typeface="Phagspa"/>
+        <a:font script="Syrn" typeface="Estrangelo Edessa"/>
+        <a:font script="Syrj" typeface="Estrangelo Edessa"/>
+        <a:font script="Syre" typeface="Estrangelo Edessa"/>
+        <a:font script="Sora" typeface="Nirmala UI"/>
+        <a:font script="Tale" typeface="Microsoft Tai Le"/>
+        <a:font script="Talu" typeface="Microsoft New Tai Lue"/>
+        <a:font script="Tfng" typeface="Ebrima"/>
+      </a:minorFont>
+    </a:fontScheme>
+    <a:fmtScheme name="Office">
+      <a:fillStyleLst>
+        <a:solidFill>
+          <a:schemeClr val="phClr"/>
+        </a:solidFill>
+        <a:gradFill rotWithShape="1">
+          <a:gsLst>
+            <a:gs pos="0">
+              <a:schemeClr val="phClr">
+                <a:lumMod val="110000"/>
+                <a:satMod val="105000"/>
+                <a:tint val="67000"/>
+              </a:schemeClr>
+            </a:gs>
+            <a:gs pos="50000">
+              <a:schemeClr val="phClr">
+                <a:lumMod val="105000"/>
+                <a:satMod val="103000"/>
+                <a:tint val="73000"/>
+              </a:schemeClr>
+            </a:gs>
+            <a:gs pos="100000">
+              <a:schemeClr val="phClr">
+                <a:lumMod val="105000"/>
+                <a:satMod val="109000"/>
+                <a:tint val="81000"/>
+              </a:schemeClr>
+            </a:gs>
+          </a:gsLst>
+          <a:lin ang="5400000" scaled="0"/>
+        </a:gradFill>
+        <a:gradFill rotWithShape="1">
+          <a:gsLst>
+            <a:gs pos="0">
+              <a:schemeClr val="phClr">
+                <a:satMod val="103000"/>
+                <a:lumMod val="102000"/>
+                <a:tint val="94000"/>
+              </a:schemeClr>
+            </a:gs>
+            <a:gs pos="50000">
+              <a:schemeClr val="phClr">
+                <a:satMod val="110000"/>
+                <a:lumMod val="100000"/>
+                <a:shade val="100000"/>
+              </a:schemeClr>
+            </a:gs>
+            <a:gs pos="100000">
+              <a:schemeClr val="phClr">
+                <a:lumMod val="99000"/>
+                <a:satMod val="120000"/>
+                <a:shade val="78000"/>
+              </a:schemeClr>
+            </a:gs>
+          </a:gsLst>
+          <a:lin ang="5400000" scaled="0"/>
+        </a:gradFill>
+      </a:fillStyleLst>
+      <a:lnStyleLst>
+        <a:ln w="12700" cap="flat" cmpd="sng" algn="ctr">
+          <a:solidFill>
+            <a:schemeClr val="phClr"/>
+          </a:solidFill>
+          <a:prstDash val="solid"/>
+          <a:miter lim="800000"/>
+        </a:ln>
+        <a:ln w="19050" cap="flat" cmpd="sng" algn="ctr">
+          <a:solidFill>
+            <a:schemeClr val="phClr"/>
+          </a:solidFill>
+          <a:prstDash val="solid"/>
+          <a:miter lim="800000"/>
+        </a:ln>
+        <a:ln w="25400" cap="flat" cmpd="sng" algn="ctr">
+          <a:solidFill>
+            <a:schemeClr val="phClr"/>
+          </a:solidFill>
+          <a:prstDash val="solid"/>
+          <a:miter lim="800000"/>
+        </a:ln>
+      </a:lnStyleLst>
+      <a:effectStyleLst>
+        <a:effectStyle>
+          <a:effectLst/>
+        </a:effectStyle>
+        <a:effectStyle>
+          <a:effectLst/>
+        </a:effectStyle>
+        <a:effectStyle>
+          <a:effectLst>
+            <a:outerShdw blurRad="57150" dist="19050" dir="5400000" algn="ctr" rotWithShape="0">
+              <a:srgbClr val="000000">
+                <a:alpha val="63000"/>
+              </a:srgbClr>
+            </a:outerShdw>
+          </a:effectLst>
+        </a:effectStyle>
+      </a:effectStyleLst>
+      <a:bgFillStyleLst>
+        <a:solidFill>
+          <a:schemeClr val="phClr"/>
+        </a:solidFill>
+        <a:solidFill>
+          <a:schemeClr val="phClr">
+            <a:tint val="95000"/>
+            <a:satMod val="170000"/>
+          </a:schemeClr>
+        </a:solidFill>
+        <a:gradFill rotWithShape="1">
+          <a:gsLst>
+            <a:gs pos="0">
+              <a:schemeClr val="phClr">
+                <a:tint val="93000"/>
+                <a:satMod val="150000"/>
+                <a:shade val="98000"/>
+                <a:lumMod val="102000"/>
+              </a:schemeClr>
+            </a:gs>
+            <a:gs pos="50000">
+              <a:schemeClr val="phClr">
+                <a:tint val="98000"/>
+                <a:satMod val="130000"/>
+                <a:shade val="90000"/>
+                <a:lumMod val="103000"/>
+              </a:schemeClr>
+            </a:gs>
+            <a:gs pos="100000">
+              <a:schemeClr val="phClr">
+                <a:shade val="63000"/>
+                <a:satMod val="120000"/>
+              </a:schemeClr>
+            </a:gs>
+          </a:gsLst>
+          <a:lin ang="5400000" scaled="0"/>
+        </a:gradFill>
+      </a:bgFillStyleLst>
+    </a:fmtScheme>
+  </a:themeElements>
+  <a:objectDefaults>
+    <a:lnDef>
+      <a:spPr/>
+      <a:bodyPr/>
+      <a:lstStyle/>
+      <a:style>
+        <a:lnRef idx="2">
+          <a:schemeClr val="accent1"/>
+        </a:lnRef>
+        <a:fillRef idx="0">
+          <a:schemeClr val="accent1"/>
+        </a:fillRef>
+        <a:effectRef idx="1">
+          <a:schemeClr val="accent1"/>
+        </a:effectRef>
+        <a:fontRef idx="minor">
+          <a:schemeClr val="tx1"/>
+        </a:fontRef>
+      </a:style>
+    </a:lnDef>
+  </a:objectDefaults>
+  <a:extraClrSchemeLst/>
+  <a:extLst>
+    <a:ext uri="{05A4C25C-085E-4340-85A3-A5531E510DB2}">
+      <thm15:themeFamily xmlns:thm15="http://schemas.microsoft.com/office/thememl/2012/main" name="Office Theme" id="{2E142A2C-CD16-42D6-873A-C26D2A0506FA}" vid="{1BDDFF52-6CD6-40A5-AB3C-68EB2F1E4D0A}"/>
+    </a:ext>
+  </a:extLst>
+</a:theme>
 </file>
--- a/reference.pptx
+++ b/reference.pptx
@@ -4,8 +4,11 @@
   <p:sldMasterIdLst>
     <p:sldMasterId id="2147483648" r:id="rId1"/>
   </p:sldMasterIdLst>
+  <p:notesMasterIdLst>
+    <p:notesMasterId r:id="rId8"/>
+  </p:notesMasterIdLst>
   <p:handoutMasterIdLst>
-    <p:handoutMasterId r:id="rId8"/>
+    <p:handoutMasterId r:id="rId9"/>
   </p:handoutMasterIdLst>
   <p:sldIdLst>
     <p:sldId id="256" r:id="rId2"/>
@@ -228,7 +231,7 @@
           <a:p>
             <a:fld id="{DD925C12-D9C3-4748-B45F-0C5A2B3C54BA}" type="datetimeFigureOut">
               <a:rPr lang="he-IL" smtClean="0"/>
-              <a:t>י"א.שבט.תשפ"ו</a:t>
+              <a:t>י"ג.שבט.תשפ"ו</a:t>
             </a:fld>
             <a:endParaRPr lang="he-IL"/>
           </a:p>
@@ -321,6 +324,355 @@
   </p:cSld>
   <p:clrMap bg1="lt1" tx1="dk1" bg2="lt2" tx2="dk2" accent1="accent1" accent2="accent2" accent3="accent3" accent4="accent4" accent5="accent5" accent6="accent6" hlink="hlink" folHlink="folHlink"/>
 </p:handoutMaster>
+</file>
+
+<file path=ppt/notesMasters/notesMaster1.xml><?xml version="1.0" encoding="utf-8"?>
+<p:notesMaster xmlns:a="http://schemas.openxmlformats.org/drawingml/2006/main" xmlns:r="http://schemas.openxmlformats.org/officeDocument/2006/relationships" xmlns:p="http://schemas.openxmlformats.org/presentationml/2006/main">
+  <p:cSld>
+    <p:bg>
+      <p:bgRef idx="1001">
+        <a:schemeClr val="bg1"/>
+      </p:bgRef>
+    </p:bg>
+    <p:spTree>
+      <p:nvGrpSpPr>
+        <p:cNvPr id="1" name=""/>
+        <p:cNvGrpSpPr/>
+        <p:nvPr/>
+      </p:nvGrpSpPr>
+      <p:grpSpPr>
+        <a:xfrm>
+          <a:off x="0" y="0"/>
+          <a:ext cx="0" cy="0"/>
+          <a:chOff x="0" y="0"/>
+          <a:chExt cx="0" cy="0"/>
+        </a:xfrm>
+      </p:grpSpPr>
+      <p:sp>
+        <p:nvSpPr>
+          <p:cNvPr id="2" name="מציין מיקום של כותרת עליונה 1"/>
+          <p:cNvSpPr>
+            <a:spLocks noGrp="1"/>
+          </p:cNvSpPr>
+          <p:nvPr>
+            <p:ph type="hdr" sz="quarter"/>
+          </p:nvPr>
+        </p:nvSpPr>
+        <p:spPr>
+          <a:xfrm>
+            <a:off x="3886200" y="0"/>
+            <a:ext cx="2971800" cy="458788"/>
+          </a:xfrm>
+          <a:prstGeom prst="rect">
+            <a:avLst/>
+          </a:prstGeom>
+        </p:spPr>
+        <p:txBody>
+          <a:bodyPr vert="horz" lIns="91440" tIns="45720" rIns="91440" bIns="45720" rtlCol="1"/>
+          <a:lstStyle>
+            <a:lvl1pPr algn="r">
+              <a:defRPr sz="1200"/>
+            </a:lvl1pPr>
+          </a:lstStyle>
+          <a:p>
+            <a:endParaRPr lang="he-IL"/>
+          </a:p>
+        </p:txBody>
+      </p:sp>
+      <p:sp>
+        <p:nvSpPr>
+          <p:cNvPr id="3" name="מציין מיקום של תאריך 2"/>
+          <p:cNvSpPr>
+            <a:spLocks noGrp="1"/>
+          </p:cNvSpPr>
+          <p:nvPr>
+            <p:ph type="dt" idx="1"/>
+          </p:nvPr>
+        </p:nvSpPr>
+        <p:spPr>
+          <a:xfrm>
+            <a:off x="1588" y="0"/>
+            <a:ext cx="2971800" cy="458788"/>
+          </a:xfrm>
+          <a:prstGeom prst="rect">
+            <a:avLst/>
+          </a:prstGeom>
+        </p:spPr>
+        <p:txBody>
+          <a:bodyPr vert="horz" lIns="91440" tIns="45720" rIns="91440" bIns="45720" rtlCol="1"/>
+          <a:lstStyle>
+            <a:lvl1pPr algn="l">
+              <a:defRPr sz="1200"/>
+            </a:lvl1pPr>
+          </a:lstStyle>
+          <a:p>
+            <a:fld id="{CAD1E319-67F0-2846-8742-18CC0BED76BD}" type="datetimeFigureOut">
+              <a:rPr lang="he-IL" smtClean="0"/>
+              <a:t>י"ג.שבט.תשפ"ו</a:t>
+            </a:fld>
+            <a:endParaRPr lang="he-IL"/>
+          </a:p>
+        </p:txBody>
+      </p:sp>
+      <p:sp>
+        <p:nvSpPr>
+          <p:cNvPr id="4" name="מציין מיקום של תמונת שקופית 3"/>
+          <p:cNvSpPr>
+            <a:spLocks noGrp="1" noRot="1" noChangeAspect="1"/>
+          </p:cNvSpPr>
+          <p:nvPr>
+            <p:ph type="sldImg" idx="2"/>
+          </p:nvPr>
+        </p:nvSpPr>
+        <p:spPr>
+          <a:xfrm>
+            <a:off x="685800" y="1143000"/>
+            <a:ext cx="5486400" cy="3086100"/>
+          </a:xfrm>
+          <a:prstGeom prst="rect">
+            <a:avLst/>
+          </a:prstGeom>
+          <a:noFill/>
+          <a:ln w="12700">
+            <a:solidFill>
+              <a:prstClr val="black"/>
+            </a:solidFill>
+          </a:ln>
+        </p:spPr>
+        <p:txBody>
+          <a:bodyPr vert="horz" lIns="91440" tIns="45720" rIns="91440" bIns="45720" rtlCol="1" anchor="ctr"/>
+          <a:lstStyle/>
+          <a:p>
+            <a:endParaRPr lang="he-IL"/>
+          </a:p>
+        </p:txBody>
+      </p:sp>
+      <p:sp>
+        <p:nvSpPr>
+          <p:cNvPr id="5" name="מציין מיקום של הערות 4"/>
+          <p:cNvSpPr>
+            <a:spLocks noGrp="1"/>
+          </p:cNvSpPr>
+          <p:nvPr>
+            <p:ph type="body" sz="quarter" idx="3"/>
+          </p:nvPr>
+        </p:nvSpPr>
+        <p:spPr>
+          <a:xfrm>
+            <a:off x="685800" y="4400550"/>
+            <a:ext cx="5486400" cy="3600450"/>
+          </a:xfrm>
+          <a:prstGeom prst="rect">
+            <a:avLst/>
+          </a:prstGeom>
+        </p:spPr>
+        <p:txBody>
+          <a:bodyPr vert="horz" lIns="91440" tIns="45720" rIns="91440" bIns="45720" rtlCol="1"/>
+          <a:lstStyle/>
+          <a:p>
+            <a:pPr lvl="0"/>
+            <a:r>
+              <a:rPr lang="he-IL"/>
+              <a:t>לחץ כדי לערוך סגנונות טקסט של תבנית בסיס</a:t>
+            </a:r>
+          </a:p>
+          <a:p>
+            <a:pPr lvl="1"/>
+            <a:r>
+              <a:rPr lang="he-IL"/>
+              <a:t>רמה שנייה</a:t>
+            </a:r>
+          </a:p>
+          <a:p>
+            <a:pPr lvl="2"/>
+            <a:r>
+              <a:rPr lang="he-IL"/>
+              <a:t>רמה שלישית</a:t>
+            </a:r>
+          </a:p>
+          <a:p>
+            <a:pPr lvl="3"/>
+            <a:r>
+              <a:rPr lang="he-IL"/>
+              <a:t>רמה רביעית</a:t>
+            </a:r>
+          </a:p>
+          <a:p>
+            <a:pPr lvl="4"/>
+            <a:r>
+              <a:rPr lang="he-IL"/>
+              <a:t>רמה חמישית</a:t>
+            </a:r>
+          </a:p>
+        </p:txBody>
+      </p:sp>
+      <p:sp>
+        <p:nvSpPr>
+          <p:cNvPr id="6" name="מציין מיקום של כותרת תחתונה 5"/>
+          <p:cNvSpPr>
+            <a:spLocks noGrp="1"/>
+          </p:cNvSpPr>
+          <p:nvPr>
+            <p:ph type="ftr" sz="quarter" idx="4"/>
+          </p:nvPr>
+        </p:nvSpPr>
+        <p:spPr>
+          <a:xfrm>
+            <a:off x="3886200" y="8685213"/>
+            <a:ext cx="2971800" cy="458787"/>
+          </a:xfrm>
+          <a:prstGeom prst="rect">
+            <a:avLst/>
+          </a:prstGeom>
+        </p:spPr>
+        <p:txBody>
+          <a:bodyPr vert="horz" lIns="91440" tIns="45720" rIns="91440" bIns="45720" rtlCol="1" anchor="b"/>
+          <a:lstStyle>
+            <a:lvl1pPr algn="r">
+              <a:defRPr sz="1200"/>
+            </a:lvl1pPr>
+          </a:lstStyle>
+          <a:p>
+            <a:endParaRPr lang="he-IL"/>
+          </a:p>
+        </p:txBody>
+      </p:sp>
+      <p:sp>
+        <p:nvSpPr>
+          <p:cNvPr id="7" name="מציין מיקום של מספר שקופית 6"/>
+          <p:cNvSpPr>
+            <a:spLocks noGrp="1"/>
+          </p:cNvSpPr>
+          <p:nvPr>
+            <p:ph type="sldNum" sz="quarter" idx="5"/>
+          </p:nvPr>
+        </p:nvSpPr>
+        <p:spPr>
+          <a:xfrm>
+            <a:off x="1588" y="8685213"/>
+            <a:ext cx="2971800" cy="458787"/>
+          </a:xfrm>
+          <a:prstGeom prst="rect">
+            <a:avLst/>
+          </a:prstGeom>
+        </p:spPr>
+        <p:txBody>
+          <a:bodyPr vert="horz" lIns="91440" tIns="45720" rIns="91440" bIns="45720" rtlCol="1" anchor="b"/>
+          <a:lstStyle>
+            <a:lvl1pPr algn="l">
+              <a:defRPr sz="1200"/>
+            </a:lvl1pPr>
+          </a:lstStyle>
+          <a:p>
+            <a:fld id="{B6B4D671-CB68-3E4A-A3F6-4231BF4008F4}" type="slidenum">
+              <a:rPr lang="he-IL" smtClean="0"/>
+              <a:t>‹#›</a:t>
+            </a:fld>
+            <a:endParaRPr lang="he-IL"/>
+          </a:p>
+        </p:txBody>
+      </p:sp>
+    </p:spTree>
+    <p:extLst>
+      <p:ext uri="{BB962C8B-B14F-4D97-AF65-F5344CB8AC3E}">
+        <p14:creationId xmlns:p14="http://schemas.microsoft.com/office/powerpoint/2010/main" val="28646385"/>
+      </p:ext>
+    </p:extLst>
+  </p:cSld>
+  <p:clrMap bg1="lt1" tx1="dk1" bg2="lt2" tx2="dk2" accent1="accent1" accent2="accent2" accent3="accent3" accent4="accent4" accent5="accent5" accent6="accent6" hlink="hlink" folHlink="folHlink"/>
+  <p:notesStyle>
+    <a:lvl1pPr marL="0" algn="r" defTabSz="914400" rtl="1" eaLnBrk="1" latinLnBrk="0" hangingPunct="1">
+      <a:defRPr sz="1200" kern="1200">
+        <a:solidFill>
+          <a:schemeClr val="tx1"/>
+        </a:solidFill>
+        <a:latin typeface="+mn-lt"/>
+        <a:ea typeface="+mn-ea"/>
+        <a:cs typeface="+mn-cs"/>
+      </a:defRPr>
+    </a:lvl1pPr>
+    <a:lvl2pPr marL="457200" algn="r" defTabSz="914400" rtl="1" eaLnBrk="1" latinLnBrk="0" hangingPunct="1">
+      <a:defRPr sz="1200" kern="1200">
+        <a:solidFill>
+          <a:schemeClr val="tx1"/>
+        </a:solidFill>
+        <a:latin typeface="+mn-lt"/>
+        <a:ea typeface="+mn-ea"/>
+        <a:cs typeface="+mn-cs"/>
+      </a:defRPr>
+    </a:lvl2pPr>
+    <a:lvl3pPr marL="914400" algn="r" defTabSz="914400" rtl="1" eaLnBrk="1" latinLnBrk="0" hangingPunct="1">
+      <a:defRPr sz="1200" kern="1200">
+        <a:solidFill>
+          <a:schemeClr val="tx1"/>
+        </a:solidFill>
+        <a:latin typeface="+mn-lt"/>
+        <a:ea typeface="+mn-ea"/>
+        <a:cs typeface="+mn-cs"/>
+      </a:defRPr>
+    </a:lvl3pPr>
+    <a:lvl4pPr marL="1371600" algn="r" defTabSz="914400" rtl="1" eaLnBrk="1" latinLnBrk="0" hangingPunct="1">
+      <a:defRPr sz="1200" kern="1200">
+        <a:solidFill>
+          <a:schemeClr val="tx1"/>
+        </a:solidFill>
+        <a:latin typeface="+mn-lt"/>
+        <a:ea typeface="+mn-ea"/>
+        <a:cs typeface="+mn-cs"/>
+      </a:defRPr>
+    </a:lvl4pPr>
+    <a:lvl5pPr marL="1828800" algn="r" defTabSz="914400" rtl="1" eaLnBrk="1" latinLnBrk="0" hangingPunct="1">
+      <a:defRPr sz="1200" kern="1200">
+        <a:solidFill>
+          <a:schemeClr val="tx1"/>
+        </a:solidFill>
+        <a:latin typeface="+mn-lt"/>
+        <a:ea typeface="+mn-ea"/>
+        <a:cs typeface="+mn-cs"/>
+      </a:defRPr>
+    </a:lvl5pPr>
+    <a:lvl6pPr marL="2286000" algn="r" defTabSz="914400" rtl="1" eaLnBrk="1" latinLnBrk="0" hangingPunct="1">
+      <a:defRPr sz="1200" kern="1200">
+        <a:solidFill>
+          <a:schemeClr val="tx1"/>
+        </a:solidFill>
+        <a:latin typeface="+mn-lt"/>
+        <a:ea typeface="+mn-ea"/>
+        <a:cs typeface="+mn-cs"/>
+      </a:defRPr>
+    </a:lvl6pPr>
+    <a:lvl7pPr marL="2743200" algn="r" defTabSz="914400" rtl="1" eaLnBrk="1" latinLnBrk="0" hangingPunct="1">
+      <a:defRPr sz="1200" kern="1200">
+        <a:solidFill>
+          <a:schemeClr val="tx1"/>
+        </a:solidFill>
+        <a:latin typeface="+mn-lt"/>
+        <a:ea typeface="+mn-ea"/>
+        <a:cs typeface="+mn-cs"/>
+      </a:defRPr>
+    </a:lvl7pPr>
+    <a:lvl8pPr marL="3200400" algn="r" defTabSz="914400" rtl="1" eaLnBrk="1" latinLnBrk="0" hangingPunct="1">
+      <a:defRPr sz="1200" kern="1200">
+        <a:solidFill>
+          <a:schemeClr val="tx1"/>
+        </a:solidFill>
+        <a:latin typeface="+mn-lt"/>
+        <a:ea typeface="+mn-ea"/>
+        <a:cs typeface="+mn-cs"/>
+      </a:defRPr>
+    </a:lvl8pPr>
+    <a:lvl9pPr marL="3657600" algn="r" defTabSz="914400" rtl="1" eaLnBrk="1" latinLnBrk="0" hangingPunct="1">
+      <a:defRPr sz="1200" kern="1200">
+        <a:solidFill>
+          <a:schemeClr val="tx1"/>
+        </a:solidFill>
+        <a:latin typeface="+mn-lt"/>
+        <a:ea typeface="+mn-ea"/>
+        <a:cs typeface="+mn-cs"/>
+      </a:defRPr>
+    </a:lvl9pPr>
+  </p:notesStyle>
+</p:notesMaster>
 </file>
 
 <file path=ppt/slideLayouts/slideLayout1.xml><?xml version="1.0" encoding="utf-8"?>
@@ -504,9 +856,9 @@
           <a:bodyPr/>
           <a:lstStyle/>
           <a:p>
-            <a:fld id="{5BCAD085-E8A6-8845-BD4E-CB4CCA059FC4}" type="datetimeFigureOut">
-              <a:rPr lang="en-US" smtClean="0"/>
-              <a:t>1/29/26</a:t>
+            <a:fld id="{A3964B5F-BAD9-9946-9D71-AB5C763DA70C}" type="datetime9">
+              <a:rPr lang="he-IL" smtClean="0"/>
+              <a:t>31 ינואר, 2026</a:t>
             </a:fld>
             <a:endParaRPr lang="en-US"/>
           </a:p>
@@ -527,7 +879,10 @@
           <a:bodyPr/>
           <a:lstStyle/>
           <a:p>
-            <a:endParaRPr lang="en-US"/>
+            <a:r>
+              <a:rPr lang="en-US"/>
+              <a:t>Or Peretz</a:t>
+            </a:r>
           </a:p>
         </p:txBody>
       </p:sp>
@@ -672,9 +1027,9 @@
           <a:bodyPr/>
           <a:lstStyle/>
           <a:p>
-            <a:fld id="{5BCAD085-E8A6-8845-BD4E-CB4CCA059FC4}" type="datetimeFigureOut">
-              <a:rPr lang="en-US" smtClean="0"/>
-              <a:t>1/29/26</a:t>
+            <a:fld id="{6A744ED6-1944-D14D-91B5-FC6036DE393D}" type="datetime9">
+              <a:rPr lang="he-IL" smtClean="0"/>
+              <a:t>31 ינואר, 2026</a:t>
             </a:fld>
             <a:endParaRPr lang="en-US"/>
           </a:p>
@@ -695,7 +1050,10 @@
           <a:bodyPr/>
           <a:lstStyle/>
           <a:p>
-            <a:endParaRPr lang="en-US"/>
+            <a:r>
+              <a:rPr lang="en-US"/>
+              <a:t>Or Peretz</a:t>
+            </a:r>
           </a:p>
         </p:txBody>
       </p:sp>
@@ -850,9 +1208,9 @@
           <a:bodyPr/>
           <a:lstStyle/>
           <a:p>
-            <a:fld id="{5BCAD085-E8A6-8845-BD4E-CB4CCA059FC4}" type="datetimeFigureOut">
-              <a:rPr lang="en-US" smtClean="0"/>
-              <a:t>1/29/26</a:t>
+            <a:fld id="{37268E4D-FFEC-474C-BD1C-299FD021CBA4}" type="datetime9">
+              <a:rPr lang="he-IL" smtClean="0"/>
+              <a:t>31 ינואר, 2026</a:t>
             </a:fld>
             <a:endParaRPr lang="en-US"/>
           </a:p>
@@ -873,7 +1231,10 @@
           <a:bodyPr/>
           <a:lstStyle/>
           <a:p>
-            <a:endParaRPr lang="en-US"/>
+            <a:r>
+              <a:rPr lang="en-US"/>
+              <a:t>Or Peretz</a:t>
+            </a:r>
           </a:p>
         </p:txBody>
       </p:sp>
@@ -1040,9 +1401,9 @@
           <a:bodyPr/>
           <a:lstStyle/>
           <a:p>
-            <a:fld id="{5BCAD085-E8A6-8845-BD4E-CB4CCA059FC4}" type="datetimeFigureOut">
-              <a:rPr lang="en-US" smtClean="0"/>
-              <a:t>1/29/26</a:t>
+            <a:fld id="{29E1EEA0-9609-584F-90F2-46E4F93E52CD}" type="datetime9">
+              <a:rPr lang="he-IL" smtClean="0"/>
+              <a:t>31 ינואר, 2026</a:t>
             </a:fld>
             <a:endParaRPr lang="en-US"/>
           </a:p>
@@ -1063,7 +1424,10 @@
           <a:bodyPr/>
           <a:lstStyle/>
           <a:p>
-            <a:endParaRPr lang="en-US"/>
+            <a:r>
+              <a:rPr lang="en-US"/>
+              <a:t>Or Peretz</a:t>
+            </a:r>
           </a:p>
         </p:txBody>
       </p:sp>
@@ -1135,9 +1499,9 @@
           <a:bodyPr/>
           <a:lstStyle/>
           <a:p>
-            <a:fld id="{5BCAD085-E8A6-8845-BD4E-CB4CCA059FC4}" type="datetimeFigureOut">
-              <a:rPr lang="en-US" smtClean="0"/>
-              <a:t>1/29/26</a:t>
+            <a:fld id="{BDCA6A5E-CA21-6B4F-9DE7-1A275F321E49}" type="datetime9">
+              <a:rPr lang="he-IL" smtClean="0"/>
+              <a:t>31 ינואר, 2026</a:t>
             </a:fld>
             <a:endParaRPr lang="en-US"/>
           </a:p>
@@ -1158,7 +1522,10 @@
           <a:bodyPr/>
           <a:lstStyle/>
           <a:p>
-            <a:endParaRPr lang="en-US"/>
+            <a:r>
+              <a:rPr lang="en-US"/>
+              <a:t>Or Peretz</a:t>
+            </a:r>
           </a:p>
         </p:txBody>
       </p:sp>
@@ -1457,9 +1824,9 @@
           <a:bodyPr/>
           <a:lstStyle/>
           <a:p>
-            <a:fld id="{5BCAD085-E8A6-8845-BD4E-CB4CCA059FC4}" type="datetimeFigureOut">
-              <a:rPr lang="en-US" smtClean="0"/>
-              <a:t>1/29/26</a:t>
+            <a:fld id="{AE3C6960-90E0-EA41-937B-E68D4C6A0841}" type="datetime9">
+              <a:rPr lang="he-IL" smtClean="0"/>
+              <a:t>31 ינואר, 2026</a:t>
             </a:fld>
             <a:endParaRPr lang="en-US"/>
           </a:p>
@@ -1480,7 +1847,10 @@
           <a:bodyPr/>
           <a:lstStyle/>
           <a:p>
-            <a:endParaRPr lang="en-US"/>
+            <a:r>
+              <a:rPr lang="en-US"/>
+              <a:t>Or Peretz</a:t>
+            </a:r>
           </a:p>
         </p:txBody>
       </p:sp>
@@ -1876,9 +2246,9 @@
           <a:bodyPr/>
           <a:lstStyle/>
           <a:p>
-            <a:fld id="{5BCAD085-E8A6-8845-BD4E-CB4CCA059FC4}" type="datetimeFigureOut">
-              <a:rPr lang="en-US" smtClean="0"/>
-              <a:t>1/29/26</a:t>
+            <a:fld id="{38CAE1C8-A9FA-924F-80DA-3B96C0343AF4}" type="datetime9">
+              <a:rPr lang="he-IL" smtClean="0"/>
+              <a:t>31 ינואר, 2026</a:t>
             </a:fld>
             <a:endParaRPr lang="en-US"/>
           </a:p>
@@ -1899,7 +2269,10 @@
           <a:bodyPr/>
           <a:lstStyle/>
           <a:p>
-            <a:endParaRPr lang="en-US"/>
+            <a:r>
+              <a:rPr lang="en-US"/>
+              <a:t>Or Peretz</a:t>
+            </a:r>
           </a:p>
         </p:txBody>
       </p:sp>
@@ -1993,9 +2366,9 @@
           <a:bodyPr/>
           <a:lstStyle/>
           <a:p>
-            <a:fld id="{5BCAD085-E8A6-8845-BD4E-CB4CCA059FC4}" type="datetimeFigureOut">
-              <a:rPr lang="en-US" smtClean="0"/>
-              <a:t>1/29/26</a:t>
+            <a:fld id="{3DC92AE4-510D-3C40-B9B0-AA6693EED883}" type="datetime9">
+              <a:rPr lang="he-IL" smtClean="0"/>
+              <a:t>31 ינואר, 2026</a:t>
             </a:fld>
             <a:endParaRPr lang="en-US"/>
           </a:p>
@@ -2016,7 +2389,10 @@
           <a:bodyPr/>
           <a:lstStyle/>
           <a:p>
-            <a:endParaRPr lang="en-US"/>
+            <a:r>
+              <a:rPr lang="en-US"/>
+              <a:t>Or Peretz</a:t>
+            </a:r>
           </a:p>
         </p:txBody>
       </p:sp>
@@ -2088,9 +2464,9 @@
           <a:bodyPr/>
           <a:lstStyle/>
           <a:p>
-            <a:fld id="{5BCAD085-E8A6-8845-BD4E-CB4CCA059FC4}" type="datetimeFigureOut">
-              <a:rPr lang="en-US" smtClean="0"/>
-              <a:t>1/29/26</a:t>
+            <a:fld id="{E2C5D179-4B48-7641-AFA1-4656153FFCB8}" type="datetime9">
+              <a:rPr lang="he-IL" smtClean="0"/>
+              <a:t>31 ינואר, 2026</a:t>
             </a:fld>
             <a:endParaRPr lang="en-US"/>
           </a:p>
@@ -2111,7 +2487,10 @@
           <a:bodyPr/>
           <a:lstStyle/>
           <a:p>
-            <a:endParaRPr lang="en-US"/>
+            <a:r>
+              <a:rPr lang="en-US"/>
+              <a:t>Or Peretz</a:t>
+            </a:r>
           </a:p>
         </p:txBody>
       </p:sp>
@@ -2152,7 +2531,7 @@
 </file>
 
 <file path=ppt/slideLayouts/slideLayout8.xml><?xml version="1.0" encoding="utf-8"?>
-<p:sldLayout xmlns:a="http://schemas.openxmlformats.org/drawingml/2006/main" xmlns:r="http://schemas.openxmlformats.org/officeDocument/2006/relationships" xmlns:p="http://schemas.openxmlformats.org/presentationml/2006/main" type="objTx" preserve="1">
+<p:sldLayout xmlns:a="http://schemas.openxmlformats.org/drawingml/2006/main" xmlns:r="http://schemas.openxmlformats.org/officeDocument/2006/relationships" xmlns:p="http://schemas.openxmlformats.org/presentationml/2006/main" preserve="1" userDrawn="1">
   <p:cSld name="Content with Caption">
     <p:spTree>
       <p:nvGrpSpPr>
@@ -2170,49 +2549,18 @@
       </p:grpSpPr>
       <p:sp>
         <p:nvSpPr>
-          <p:cNvPr id="2" name="Title 1"/>
-          <p:cNvSpPr>
-            <a:spLocks noGrp="1"/>
-          </p:cNvSpPr>
-          <p:nvPr>
-            <p:ph type="title"/>
+          <p:cNvPr id="3" name="Content Placeholder 2"/>
+          <p:cNvSpPr>
+            <a:spLocks noGrp="1"/>
+          </p:cNvSpPr>
+          <p:nvPr>
+            <p:ph idx="1"/>
           </p:nvPr>
         </p:nvSpPr>
         <p:spPr>
           <a:xfrm>
-            <a:off x="609601" y="273050"/>
-            <a:ext cx="4011084" cy="1162050"/>
-          </a:xfrm>
-        </p:spPr>
-        <p:txBody>
-          <a:bodyPr anchor="b"/>
-          <a:lstStyle>
-            <a:lvl1pPr algn="l">
-              <a:defRPr sz="2000" b="1"/>
-            </a:lvl1pPr>
-          </a:lstStyle>
-          <a:p>
-            <a:r>
-              <a:rPr lang="en-US"/>
-              <a:t>Click to edit Master title style</a:t>
-            </a:r>
-          </a:p>
-        </p:txBody>
-      </p:sp>
-      <p:sp>
-        <p:nvSpPr>
-          <p:cNvPr id="3" name="Content Placeholder 2"/>
-          <p:cNvSpPr>
-            <a:spLocks noGrp="1"/>
-          </p:cNvSpPr>
-          <p:nvPr>
-            <p:ph idx="1"/>
-          </p:nvPr>
-        </p:nvSpPr>
-        <p:spPr>
-          <a:xfrm>
-            <a:off x="4766733" y="273051"/>
-            <a:ext cx="6815667" cy="5853113"/>
+            <a:off x="5769621" y="1546412"/>
+            <a:ext cx="6338761" cy="4579752"/>
           </a:xfrm>
         </p:spPr>
         <p:txBody>
@@ -2249,35 +2597,35 @@
           <a:p>
             <a:pPr lvl="0"/>
             <a:r>
-              <a:rPr lang="en-US"/>
+              <a:rPr lang="en-US" dirty="0"/>
               <a:t>Click to edit Master text styles</a:t>
             </a:r>
           </a:p>
           <a:p>
             <a:pPr lvl="1"/>
             <a:r>
-              <a:rPr lang="en-US"/>
+              <a:rPr lang="en-US" dirty="0"/>
               <a:t>Second level</a:t>
             </a:r>
           </a:p>
           <a:p>
             <a:pPr lvl="2"/>
             <a:r>
-              <a:rPr lang="en-US"/>
+              <a:rPr lang="en-US" dirty="0"/>
               <a:t>Third level</a:t>
             </a:r>
           </a:p>
           <a:p>
             <a:pPr lvl="3"/>
             <a:r>
-              <a:rPr lang="en-US"/>
+              <a:rPr lang="en-US" dirty="0"/>
               <a:t>Fourth level</a:t>
             </a:r>
           </a:p>
           <a:p>
             <a:pPr lvl="4"/>
             <a:r>
-              <a:rPr lang="en-US"/>
+              <a:rPr lang="en-US" dirty="0"/>
               <a:t>Fifth level</a:t>
             </a:r>
           </a:p>
@@ -2290,13 +2638,304 @@
             <a:spLocks noGrp="1"/>
           </p:cNvSpPr>
           <p:nvPr>
-            <p:ph type="body" sz="half" idx="2"/>
+            <p:ph type="body" sz="half" idx="2" hasCustomPrompt="1"/>
           </p:nvPr>
         </p:nvSpPr>
         <p:spPr>
           <a:xfrm>
-            <a:off x="609601" y="1435101"/>
-            <a:ext cx="4011084" cy="4691063"/>
+            <a:off x="609601" y="1546412"/>
+            <a:ext cx="5030548" cy="4579752"/>
+          </a:xfrm>
+        </p:spPr>
+        <p:txBody>
+          <a:bodyPr/>
+          <a:lstStyle>
+            <a:lvl1pPr marL="0" indent="0">
+              <a:lnSpc>
+                <a:spcPct val="150000"/>
+              </a:lnSpc>
+              <a:buNone/>
+              <a:defRPr sz="2200"/>
+            </a:lvl1pPr>
+            <a:lvl2pPr marL="457200" indent="0">
+              <a:buNone/>
+              <a:defRPr sz="1200"/>
+            </a:lvl2pPr>
+            <a:lvl3pPr marL="914400" indent="0">
+              <a:buNone/>
+              <a:defRPr sz="1000"/>
+            </a:lvl3pPr>
+            <a:lvl4pPr marL="1371600" indent="0">
+              <a:buNone/>
+              <a:defRPr sz="900"/>
+            </a:lvl4pPr>
+            <a:lvl5pPr marL="1828800" indent="0">
+              <a:buNone/>
+              <a:defRPr sz="900"/>
+            </a:lvl5pPr>
+            <a:lvl6pPr marL="2286000" indent="0">
+              <a:buNone/>
+              <a:defRPr sz="900"/>
+            </a:lvl6pPr>
+            <a:lvl7pPr marL="2743200" indent="0">
+              <a:buNone/>
+              <a:defRPr sz="900"/>
+            </a:lvl7pPr>
+            <a:lvl8pPr marL="3200400" indent="0">
+              <a:buNone/>
+              <a:defRPr sz="900"/>
+            </a:lvl8pPr>
+            <a:lvl9pPr marL="3657600" indent="0">
+              <a:buNone/>
+              <a:defRPr sz="900"/>
+            </a:lvl9pPr>
+          </a:lstStyle>
+          <a:p>
+            <a:pPr lvl="0"/>
+            <a:r>
+              <a:rPr lang="en-US" dirty="0"/>
+              <a:t>Click to edit Master text styles</a:t>
+            </a:r>
+          </a:p>
+        </p:txBody>
+      </p:sp>
+      <p:sp>
+        <p:nvSpPr>
+          <p:cNvPr id="5" name="Date Placeholder 4"/>
+          <p:cNvSpPr>
+            <a:spLocks noGrp="1"/>
+          </p:cNvSpPr>
+          <p:nvPr>
+            <p:ph type="dt" sz="half" idx="10"/>
+          </p:nvPr>
+        </p:nvSpPr>
+        <p:spPr/>
+        <p:txBody>
+          <a:bodyPr/>
+          <a:lstStyle/>
+          <a:p>
+            <a:fld id="{B2D96A8D-C7E4-194A-BF0A-D552B24EBF94}" type="datetime9">
+              <a:rPr lang="he-IL" smtClean="0"/>
+              <a:t>31 ינואר, 2026</a:t>
+            </a:fld>
+            <a:endParaRPr lang="en-US"/>
+          </a:p>
+        </p:txBody>
+      </p:sp>
+      <p:sp>
+        <p:nvSpPr>
+          <p:cNvPr id="6" name="Footer Placeholder 5"/>
+          <p:cNvSpPr>
+            <a:spLocks noGrp="1"/>
+          </p:cNvSpPr>
+          <p:nvPr>
+            <p:ph type="ftr" sz="quarter" idx="11"/>
+          </p:nvPr>
+        </p:nvSpPr>
+        <p:spPr/>
+        <p:txBody>
+          <a:bodyPr/>
+          <a:lstStyle/>
+          <a:p>
+            <a:r>
+              <a:rPr lang="en-US"/>
+              <a:t>Or Peretz</a:t>
+            </a:r>
+          </a:p>
+        </p:txBody>
+      </p:sp>
+      <p:sp>
+        <p:nvSpPr>
+          <p:cNvPr id="7" name="Slide Number Placeholder 6"/>
+          <p:cNvSpPr>
+            <a:spLocks noGrp="1"/>
+          </p:cNvSpPr>
+          <p:nvPr>
+            <p:ph type="sldNum" sz="quarter" idx="12"/>
+          </p:nvPr>
+        </p:nvSpPr>
+        <p:spPr/>
+        <p:txBody>
+          <a:bodyPr/>
+          <a:lstStyle/>
+          <a:p>
+            <a:fld id="{C1FF6DA9-008F-8B48-92A6-B652298478BF}" type="slidenum">
+              <a:rPr lang="en-US" smtClean="0"/>
+              <a:t>‹#›</a:t>
+            </a:fld>
+            <a:endParaRPr lang="en-US"/>
+          </a:p>
+        </p:txBody>
+      </p:sp>
+      <p:sp>
+        <p:nvSpPr>
+          <p:cNvPr id="9" name="Title 1">
+            <a:extLst>
+              <a:ext uri="{FF2B5EF4-FFF2-40B4-BE49-F238E27FC236}">
+                <a16:creationId xmlns:a16="http://schemas.microsoft.com/office/drawing/2014/main" id="{7F24627C-5938-5D06-969C-341161F72C9C}"/>
+              </a:ext>
+            </a:extLst>
+          </p:cNvPr>
+          <p:cNvSpPr>
+            <a:spLocks noGrp="1"/>
+          </p:cNvSpPr>
+          <p:nvPr>
+            <p:ph type="title"/>
+          </p:nvPr>
+        </p:nvSpPr>
+        <p:spPr>
+          <a:xfrm>
+            <a:off x="609600" y="274638"/>
+            <a:ext cx="10972800" cy="1143000"/>
+          </a:xfrm>
+        </p:spPr>
+        <p:txBody>
+          <a:bodyPr/>
+          <a:lstStyle/>
+          <a:p>
+            <a:r>
+              <a:rPr lang="en-US"/>
+              <a:t>Click to edit Master title style</a:t>
+            </a:r>
+          </a:p>
+        </p:txBody>
+      </p:sp>
+    </p:spTree>
+    <p:extLst>
+      <p:ext uri="{BB962C8B-B14F-4D97-AF65-F5344CB8AC3E}">
+        <p14:creationId xmlns:p14="http://schemas.microsoft.com/office/powerpoint/2010/main" val="1840726560"/>
+      </p:ext>
+    </p:extLst>
+  </p:cSld>
+  <p:clrMapOvr>
+    <a:masterClrMapping/>
+  </p:clrMapOvr>
+</p:sldLayout>
+</file>
+
+<file path=ppt/slideLayouts/slideLayout9.xml><?xml version="1.0" encoding="utf-8"?>
+<p:sldLayout xmlns:a="http://schemas.openxmlformats.org/drawingml/2006/main" xmlns:r="http://schemas.openxmlformats.org/officeDocument/2006/relationships" xmlns:p="http://schemas.openxmlformats.org/presentationml/2006/main" type="picTx" preserve="1">
+  <p:cSld name="Picture with Caption">
+    <p:spTree>
+      <p:nvGrpSpPr>
+        <p:cNvPr id="1" name=""/>
+        <p:cNvGrpSpPr/>
+        <p:nvPr/>
+      </p:nvGrpSpPr>
+      <p:grpSpPr>
+        <a:xfrm>
+          <a:off x="0" y="0"/>
+          <a:ext cx="0" cy="0"/>
+          <a:chOff x="0" y="0"/>
+          <a:chExt cx="0" cy="0"/>
+        </a:xfrm>
+      </p:grpSpPr>
+      <p:sp>
+        <p:nvSpPr>
+          <p:cNvPr id="2" name="Title 1"/>
+          <p:cNvSpPr>
+            <a:spLocks noGrp="1"/>
+          </p:cNvSpPr>
+          <p:nvPr>
+            <p:ph type="title"/>
+          </p:nvPr>
+        </p:nvSpPr>
+        <p:spPr>
+          <a:xfrm>
+            <a:off x="2389717" y="4800600"/>
+            <a:ext cx="7315200" cy="566738"/>
+          </a:xfrm>
+        </p:spPr>
+        <p:txBody>
+          <a:bodyPr anchor="b"/>
+          <a:lstStyle>
+            <a:lvl1pPr algn="l">
+              <a:defRPr sz="2000" b="1"/>
+            </a:lvl1pPr>
+          </a:lstStyle>
+          <a:p>
+            <a:r>
+              <a:rPr lang="en-US"/>
+              <a:t>Click to edit Master title style</a:t>
+            </a:r>
+          </a:p>
+        </p:txBody>
+      </p:sp>
+      <p:sp>
+        <p:nvSpPr>
+          <p:cNvPr id="3" name="Picture Placeholder 2"/>
+          <p:cNvSpPr>
+            <a:spLocks noGrp="1"/>
+          </p:cNvSpPr>
+          <p:nvPr>
+            <p:ph type="pic" idx="1"/>
+          </p:nvPr>
+        </p:nvSpPr>
+        <p:spPr>
+          <a:xfrm>
+            <a:off x="2389717" y="612775"/>
+            <a:ext cx="7315200" cy="4114800"/>
+          </a:xfrm>
+        </p:spPr>
+        <p:txBody>
+          <a:bodyPr/>
+          <a:lstStyle>
+            <a:lvl1pPr marL="0" indent="0">
+              <a:buNone/>
+              <a:defRPr sz="3200"/>
+            </a:lvl1pPr>
+            <a:lvl2pPr marL="457200" indent="0">
+              <a:buNone/>
+              <a:defRPr sz="2800"/>
+            </a:lvl2pPr>
+            <a:lvl3pPr marL="914400" indent="0">
+              <a:buNone/>
+              <a:defRPr sz="2400"/>
+            </a:lvl3pPr>
+            <a:lvl4pPr marL="1371600" indent="0">
+              <a:buNone/>
+              <a:defRPr sz="2000"/>
+            </a:lvl4pPr>
+            <a:lvl5pPr marL="1828800" indent="0">
+              <a:buNone/>
+              <a:defRPr sz="2000"/>
+            </a:lvl5pPr>
+            <a:lvl6pPr marL="2286000" indent="0">
+              <a:buNone/>
+              <a:defRPr sz="2000"/>
+            </a:lvl6pPr>
+            <a:lvl7pPr marL="2743200" indent="0">
+              <a:buNone/>
+              <a:defRPr sz="2000"/>
+            </a:lvl7pPr>
+            <a:lvl8pPr marL="3200400" indent="0">
+              <a:buNone/>
+              <a:defRPr sz="2000"/>
+            </a:lvl8pPr>
+            <a:lvl9pPr marL="3657600" indent="0">
+              <a:buNone/>
+              <a:defRPr sz="2000"/>
+            </a:lvl9pPr>
+          </a:lstStyle>
+          <a:p>
+            <a:endParaRPr lang="en-US"/>
+          </a:p>
+        </p:txBody>
+      </p:sp>
+      <p:sp>
+        <p:nvSpPr>
+          <p:cNvPr id="4" name="Text Placeholder 3"/>
+          <p:cNvSpPr>
+            <a:spLocks noGrp="1"/>
+          </p:cNvSpPr>
+          <p:nvPr>
+            <p:ph type="body" sz="half" idx="2"/>
+          </p:nvPr>
+        </p:nvSpPr>
+        <p:spPr>
+          <a:xfrm>
+            <a:off x="2389717" y="5367338"/>
+            <a:ext cx="7315200" cy="804862"/>
           </a:xfrm>
         </p:spPr>
         <p:txBody>
@@ -2363,9 +3002,9 @@
           <a:bodyPr/>
           <a:lstStyle/>
           <a:p>
-            <a:fld id="{5BCAD085-E8A6-8845-BD4E-CB4CCA059FC4}" type="datetimeFigureOut">
-              <a:rPr lang="en-US" smtClean="0"/>
-              <a:t>1/29/26</a:t>
+            <a:fld id="{A12B2D52-0D9F-F345-8384-0DCA30BF1F04}" type="datetime9">
+              <a:rPr lang="he-IL" smtClean="0"/>
+              <a:t>31 ינואר, 2026</a:t>
             </a:fld>
             <a:endParaRPr lang="en-US"/>
           </a:p>
@@ -2386,259 +3025,10 @@
           <a:bodyPr/>
           <a:lstStyle/>
           <a:p>
-            <a:endParaRPr lang="en-US"/>
-          </a:p>
-        </p:txBody>
-      </p:sp>
-      <p:sp>
-        <p:nvSpPr>
-          <p:cNvPr id="7" name="Slide Number Placeholder 6"/>
-          <p:cNvSpPr>
-            <a:spLocks noGrp="1"/>
-          </p:cNvSpPr>
-          <p:nvPr>
-            <p:ph type="sldNum" sz="quarter" idx="12"/>
-          </p:nvPr>
-        </p:nvSpPr>
-        <p:spPr/>
-        <p:txBody>
-          <a:bodyPr/>
-          <a:lstStyle/>
-          <a:p>
-            <a:fld id="{C1FF6DA9-008F-8B48-92A6-B652298478BF}" type="slidenum">
-              <a:rPr lang="en-US" smtClean="0"/>
-              <a:t>‹#›</a:t>
-            </a:fld>
-            <a:endParaRPr lang="en-US"/>
-          </a:p>
-        </p:txBody>
-      </p:sp>
-    </p:spTree>
-    <p:extLst>
-      <p:ext uri="{BB962C8B-B14F-4D97-AF65-F5344CB8AC3E}">
-        <p14:creationId xmlns:p14="http://schemas.microsoft.com/office/powerpoint/2010/main" val="1840726560"/>
-      </p:ext>
-    </p:extLst>
-  </p:cSld>
-  <p:clrMapOvr>
-    <a:masterClrMapping/>
-  </p:clrMapOvr>
-</p:sldLayout>
-</file>
-
-<file path=ppt/slideLayouts/slideLayout9.xml><?xml version="1.0" encoding="utf-8"?>
-<p:sldLayout xmlns:a="http://schemas.openxmlformats.org/drawingml/2006/main" xmlns:r="http://schemas.openxmlformats.org/officeDocument/2006/relationships" xmlns:p="http://schemas.openxmlformats.org/presentationml/2006/main" type="picTx" preserve="1">
-  <p:cSld name="Picture with Caption">
-    <p:spTree>
-      <p:nvGrpSpPr>
-        <p:cNvPr id="1" name=""/>
-        <p:cNvGrpSpPr/>
-        <p:nvPr/>
-      </p:nvGrpSpPr>
-      <p:grpSpPr>
-        <a:xfrm>
-          <a:off x="0" y="0"/>
-          <a:ext cx="0" cy="0"/>
-          <a:chOff x="0" y="0"/>
-          <a:chExt cx="0" cy="0"/>
-        </a:xfrm>
-      </p:grpSpPr>
-      <p:sp>
-        <p:nvSpPr>
-          <p:cNvPr id="2" name="Title 1"/>
-          <p:cNvSpPr>
-            <a:spLocks noGrp="1"/>
-          </p:cNvSpPr>
-          <p:nvPr>
-            <p:ph type="title"/>
-          </p:nvPr>
-        </p:nvSpPr>
-        <p:spPr>
-          <a:xfrm>
-            <a:off x="2389717" y="4800600"/>
-            <a:ext cx="7315200" cy="566738"/>
-          </a:xfrm>
-        </p:spPr>
-        <p:txBody>
-          <a:bodyPr anchor="b"/>
-          <a:lstStyle>
-            <a:lvl1pPr algn="l">
-              <a:defRPr sz="2000" b="1"/>
-            </a:lvl1pPr>
-          </a:lstStyle>
-          <a:p>
-            <a:r>
-              <a:rPr lang="en-US"/>
-              <a:t>Click to edit Master title style</a:t>
-            </a:r>
-          </a:p>
-        </p:txBody>
-      </p:sp>
-      <p:sp>
-        <p:nvSpPr>
-          <p:cNvPr id="3" name="Picture Placeholder 2"/>
-          <p:cNvSpPr>
-            <a:spLocks noGrp="1"/>
-          </p:cNvSpPr>
-          <p:nvPr>
-            <p:ph type="pic" idx="1"/>
-          </p:nvPr>
-        </p:nvSpPr>
-        <p:spPr>
-          <a:xfrm>
-            <a:off x="2389717" y="612775"/>
-            <a:ext cx="7315200" cy="4114800"/>
-          </a:xfrm>
-        </p:spPr>
-        <p:txBody>
-          <a:bodyPr/>
-          <a:lstStyle>
-            <a:lvl1pPr marL="0" indent="0">
-              <a:buNone/>
-              <a:defRPr sz="3200"/>
-            </a:lvl1pPr>
-            <a:lvl2pPr marL="457200" indent="0">
-              <a:buNone/>
-              <a:defRPr sz="2800"/>
-            </a:lvl2pPr>
-            <a:lvl3pPr marL="914400" indent="0">
-              <a:buNone/>
-              <a:defRPr sz="2400"/>
-            </a:lvl3pPr>
-            <a:lvl4pPr marL="1371600" indent="0">
-              <a:buNone/>
-              <a:defRPr sz="2000"/>
-            </a:lvl4pPr>
-            <a:lvl5pPr marL="1828800" indent="0">
-              <a:buNone/>
-              <a:defRPr sz="2000"/>
-            </a:lvl5pPr>
-            <a:lvl6pPr marL="2286000" indent="0">
-              <a:buNone/>
-              <a:defRPr sz="2000"/>
-            </a:lvl6pPr>
-            <a:lvl7pPr marL="2743200" indent="0">
-              <a:buNone/>
-              <a:defRPr sz="2000"/>
-            </a:lvl7pPr>
-            <a:lvl8pPr marL="3200400" indent="0">
-              <a:buNone/>
-              <a:defRPr sz="2000"/>
-            </a:lvl8pPr>
-            <a:lvl9pPr marL="3657600" indent="0">
-              <a:buNone/>
-              <a:defRPr sz="2000"/>
-            </a:lvl9pPr>
-          </a:lstStyle>
-          <a:p>
-            <a:endParaRPr lang="en-US"/>
-          </a:p>
-        </p:txBody>
-      </p:sp>
-      <p:sp>
-        <p:nvSpPr>
-          <p:cNvPr id="4" name="Text Placeholder 3"/>
-          <p:cNvSpPr>
-            <a:spLocks noGrp="1"/>
-          </p:cNvSpPr>
-          <p:nvPr>
-            <p:ph type="body" sz="half" idx="2"/>
-          </p:nvPr>
-        </p:nvSpPr>
-        <p:spPr>
-          <a:xfrm>
-            <a:off x="2389717" y="5367338"/>
-            <a:ext cx="7315200" cy="804862"/>
-          </a:xfrm>
-        </p:spPr>
-        <p:txBody>
-          <a:bodyPr/>
-          <a:lstStyle>
-            <a:lvl1pPr marL="0" indent="0">
-              <a:buNone/>
-              <a:defRPr sz="1400"/>
-            </a:lvl1pPr>
-            <a:lvl2pPr marL="457200" indent="0">
-              <a:buNone/>
-              <a:defRPr sz="1200"/>
-            </a:lvl2pPr>
-            <a:lvl3pPr marL="914400" indent="0">
-              <a:buNone/>
-              <a:defRPr sz="1000"/>
-            </a:lvl3pPr>
-            <a:lvl4pPr marL="1371600" indent="0">
-              <a:buNone/>
-              <a:defRPr sz="900"/>
-            </a:lvl4pPr>
-            <a:lvl5pPr marL="1828800" indent="0">
-              <a:buNone/>
-              <a:defRPr sz="900"/>
-            </a:lvl5pPr>
-            <a:lvl6pPr marL="2286000" indent="0">
-              <a:buNone/>
-              <a:defRPr sz="900"/>
-            </a:lvl6pPr>
-            <a:lvl7pPr marL="2743200" indent="0">
-              <a:buNone/>
-              <a:defRPr sz="900"/>
-            </a:lvl7pPr>
-            <a:lvl8pPr marL="3200400" indent="0">
-              <a:buNone/>
-              <a:defRPr sz="900"/>
-            </a:lvl8pPr>
-            <a:lvl9pPr marL="3657600" indent="0">
-              <a:buNone/>
-              <a:defRPr sz="900"/>
-            </a:lvl9pPr>
-          </a:lstStyle>
-          <a:p>
-            <a:pPr lvl="0"/>
-            <a:r>
-              <a:rPr lang="en-US"/>
-              <a:t>Click to edit Master text styles</a:t>
-            </a:r>
-          </a:p>
-        </p:txBody>
-      </p:sp>
-      <p:sp>
-        <p:nvSpPr>
-          <p:cNvPr id="5" name="Date Placeholder 4"/>
-          <p:cNvSpPr>
-            <a:spLocks noGrp="1"/>
-          </p:cNvSpPr>
-          <p:nvPr>
-            <p:ph type="dt" sz="half" idx="10"/>
-          </p:nvPr>
-        </p:nvSpPr>
-        <p:spPr/>
-        <p:txBody>
-          <a:bodyPr/>
-          <a:lstStyle/>
-          <a:p>
-            <a:fld id="{5BCAD085-E8A6-8845-BD4E-CB4CCA059FC4}" type="datetimeFigureOut">
-              <a:rPr lang="en-US" smtClean="0"/>
-              <a:t>1/29/26</a:t>
-            </a:fld>
-            <a:endParaRPr lang="en-US"/>
-          </a:p>
-        </p:txBody>
-      </p:sp>
-      <p:sp>
-        <p:nvSpPr>
-          <p:cNvPr id="6" name="Footer Placeholder 5"/>
-          <p:cNvSpPr>
-            <a:spLocks noGrp="1"/>
-          </p:cNvSpPr>
-          <p:nvPr>
-            <p:ph type="ftr" sz="quarter" idx="11"/>
-          </p:nvPr>
-        </p:nvSpPr>
-        <p:spPr/>
-        <p:txBody>
-          <a:bodyPr/>
-          <a:lstStyle/>
-          <a:p>
-            <a:endParaRPr lang="en-US"/>
+            <a:r>
+              <a:rPr lang="en-US"/>
+              <a:t>Or Peretz</a:t>
+            </a:r>
           </a:p>
         </p:txBody>
       </p:sp>
@@ -2942,9 +3332,9 @@
             </a:lvl1pPr>
           </a:lstStyle>
           <a:p>
-            <a:fld id="{5BCAD085-E8A6-8845-BD4E-CB4CCA059FC4}" type="datetimeFigureOut">
-              <a:rPr lang="en-US" smtClean="0"/>
-              <a:t>1/29/26</a:t>
+            <a:fld id="{3AA9E24A-D52C-CB4E-85D6-C52415601A2A}" type="datetime9">
+              <a:rPr lang="he-IL" smtClean="0"/>
+              <a:t>31 ינואר, 2026</a:t>
             </a:fld>
             <a:endParaRPr lang="en-US"/>
           </a:p>
@@ -2983,7 +3373,10 @@
             </a:lvl1pPr>
           </a:lstStyle>
           <a:p>
-            <a:endParaRPr lang="en-US"/>
+            <a:r>
+              <a:rPr lang="en-US"/>
+              <a:t>Or Peretz</a:t>
+            </a:r>
           </a:p>
         </p:txBody>
       </p:sp>
@@ -3117,7 +3510,7 @@
         </p:nvSpPr>
         <p:spPr>
           <a:xfrm>
-            <a:off x="-6457700" y="-1088358"/>
+            <a:off x="-6457700" y="-1080266"/>
             <a:ext cx="7329616" cy="7329616"/>
           </a:xfrm>
           <a:custGeom>
@@ -3199,6 +3592,7 @@
     <p:sldLayoutId id="2147483658" r:id="rId10"/>
     <p:sldLayoutId id="2147483659" r:id="rId11"/>
   </p:sldLayoutIdLst>
+  <p:hf hdr="0" dt="0"/>
   <p:txStyles>
     <p:titleStyle>
       <a:lvl1pPr algn="ctr" defTabSz="457200" rtl="0" eaLnBrk="1" latinLnBrk="0" hangingPunct="1">
@@ -3522,6 +3916,63 @@
           </a:p>
         </p:txBody>
       </p:sp>
+      <p:sp>
+        <p:nvSpPr>
+          <p:cNvPr id="4" name="מציין מיקום של כותרת תחתונה 3">
+            <a:extLst>
+              <a:ext uri="{FF2B5EF4-FFF2-40B4-BE49-F238E27FC236}">
+                <a16:creationId xmlns:a16="http://schemas.microsoft.com/office/drawing/2014/main" id="{876E2397-57F2-61E8-F275-78F999F2EBA2}"/>
+              </a:ext>
+            </a:extLst>
+          </p:cNvPr>
+          <p:cNvSpPr>
+            <a:spLocks noGrp="1"/>
+          </p:cNvSpPr>
+          <p:nvPr>
+            <p:ph type="ftr" sz="quarter" idx="11"/>
+          </p:nvPr>
+        </p:nvSpPr>
+        <p:spPr/>
+        <p:txBody>
+          <a:bodyPr/>
+          <a:lstStyle/>
+          <a:p>
+            <a:r>
+              <a:rPr lang="en-US"/>
+              <a:t>Or Peretz</a:t>
+            </a:r>
+          </a:p>
+        </p:txBody>
+      </p:sp>
+      <p:sp>
+        <p:nvSpPr>
+          <p:cNvPr id="5" name="מציין מיקום של מספר שקופית 4">
+            <a:extLst>
+              <a:ext uri="{FF2B5EF4-FFF2-40B4-BE49-F238E27FC236}">
+                <a16:creationId xmlns:a16="http://schemas.microsoft.com/office/drawing/2014/main" id="{599BCB3D-7831-8426-52DB-18C7C0CE8964}"/>
+              </a:ext>
+            </a:extLst>
+          </p:cNvPr>
+          <p:cNvSpPr>
+            <a:spLocks noGrp="1"/>
+          </p:cNvSpPr>
+          <p:nvPr>
+            <p:ph type="sldNum" sz="quarter" idx="12"/>
+          </p:nvPr>
+        </p:nvSpPr>
+        <p:spPr/>
+        <p:txBody>
+          <a:bodyPr/>
+          <a:lstStyle/>
+          <a:p>
+            <a:fld id="{C1FF6DA9-008F-8B48-92A6-B652298478BF}" type="slidenum">
+              <a:rPr lang="en-US" smtClean="0"/>
+              <a:t>1</a:t>
+            </a:fld>
+            <a:endParaRPr lang="en-US"/>
+          </a:p>
+        </p:txBody>
+      </p:sp>
     </p:spTree>
   </p:cSld>
   <p:clrMapOvr>
@@ -3585,6 +4036,63 @@
           </a:p>
         </p:txBody>
       </p:sp>
+      <p:sp>
+        <p:nvSpPr>
+          <p:cNvPr id="4" name="מציין מיקום של כותרת תחתונה 3">
+            <a:extLst>
+              <a:ext uri="{FF2B5EF4-FFF2-40B4-BE49-F238E27FC236}">
+                <a16:creationId xmlns:a16="http://schemas.microsoft.com/office/drawing/2014/main" id="{1C3436E2-9686-8904-0C66-493076DA7F42}"/>
+              </a:ext>
+            </a:extLst>
+          </p:cNvPr>
+          <p:cNvSpPr>
+            <a:spLocks noGrp="1"/>
+          </p:cNvSpPr>
+          <p:nvPr>
+            <p:ph type="ftr" sz="quarter" idx="11"/>
+          </p:nvPr>
+        </p:nvSpPr>
+        <p:spPr/>
+        <p:txBody>
+          <a:bodyPr/>
+          <a:lstStyle/>
+          <a:p>
+            <a:r>
+              <a:rPr lang="en-US"/>
+              <a:t>Or Peretz</a:t>
+            </a:r>
+          </a:p>
+        </p:txBody>
+      </p:sp>
+      <p:sp>
+        <p:nvSpPr>
+          <p:cNvPr id="5" name="מציין מיקום של מספר שקופית 4">
+            <a:extLst>
+              <a:ext uri="{FF2B5EF4-FFF2-40B4-BE49-F238E27FC236}">
+                <a16:creationId xmlns:a16="http://schemas.microsoft.com/office/drawing/2014/main" id="{D2903F91-ADF5-0D3D-0C23-E4B57A6B67BD}"/>
+              </a:ext>
+            </a:extLst>
+          </p:cNvPr>
+          <p:cNvSpPr>
+            <a:spLocks noGrp="1"/>
+          </p:cNvSpPr>
+          <p:nvPr>
+            <p:ph type="sldNum" sz="quarter" idx="12"/>
+          </p:nvPr>
+        </p:nvSpPr>
+        <p:spPr/>
+        <p:txBody>
+          <a:bodyPr/>
+          <a:lstStyle/>
+          <a:p>
+            <a:fld id="{C1FF6DA9-008F-8B48-92A6-B652298478BF}" type="slidenum">
+              <a:rPr lang="en-US" smtClean="0"/>
+              <a:t>2</a:t>
+            </a:fld>
+            <a:endParaRPr lang="en-US"/>
+          </a:p>
+        </p:txBody>
+      </p:sp>
     </p:spTree>
   </p:cSld>
   <p:clrMapOvr>
@@ -3667,6 +4175,63 @@
           </a:p>
         </p:txBody>
       </p:sp>
+      <p:sp>
+        <p:nvSpPr>
+          <p:cNvPr id="5" name="מציין מיקום של כותרת תחתונה 4">
+            <a:extLst>
+              <a:ext uri="{FF2B5EF4-FFF2-40B4-BE49-F238E27FC236}">
+                <a16:creationId xmlns:a16="http://schemas.microsoft.com/office/drawing/2014/main" id="{AF93FB33-0758-9986-1DC6-188C959E7764}"/>
+              </a:ext>
+            </a:extLst>
+          </p:cNvPr>
+          <p:cNvSpPr>
+            <a:spLocks noGrp="1"/>
+          </p:cNvSpPr>
+          <p:nvPr>
+            <p:ph type="ftr" sz="quarter" idx="11"/>
+          </p:nvPr>
+        </p:nvSpPr>
+        <p:spPr/>
+        <p:txBody>
+          <a:bodyPr/>
+          <a:lstStyle/>
+          <a:p>
+            <a:r>
+              <a:rPr lang="en-US"/>
+              <a:t>Or Peretz</a:t>
+            </a:r>
+          </a:p>
+        </p:txBody>
+      </p:sp>
+      <p:sp>
+        <p:nvSpPr>
+          <p:cNvPr id="6" name="מציין מיקום של מספר שקופית 5">
+            <a:extLst>
+              <a:ext uri="{FF2B5EF4-FFF2-40B4-BE49-F238E27FC236}">
+                <a16:creationId xmlns:a16="http://schemas.microsoft.com/office/drawing/2014/main" id="{8D58C5CE-DFCF-660F-D9AE-777D3E9B956E}"/>
+              </a:ext>
+            </a:extLst>
+          </p:cNvPr>
+          <p:cNvSpPr>
+            <a:spLocks noGrp="1"/>
+          </p:cNvSpPr>
+          <p:nvPr>
+            <p:ph type="sldNum" sz="quarter" idx="12"/>
+          </p:nvPr>
+        </p:nvSpPr>
+        <p:spPr/>
+        <p:txBody>
+          <a:bodyPr/>
+          <a:lstStyle/>
+          <a:p>
+            <a:fld id="{C1FF6DA9-008F-8B48-92A6-B652298478BF}" type="slidenum">
+              <a:rPr lang="en-US" smtClean="0"/>
+              <a:t>3</a:t>
+            </a:fld>
+            <a:endParaRPr lang="en-US"/>
+          </a:p>
+        </p:txBody>
+      </p:sp>
     </p:spTree>
   </p:cSld>
   <p:clrMapOvr>
@@ -3711,6 +4276,63 @@
           </a:p>
         </p:txBody>
       </p:sp>
+      <p:sp>
+        <p:nvSpPr>
+          <p:cNvPr id="3" name="מציין מיקום של כותרת תחתונה 2">
+            <a:extLst>
+              <a:ext uri="{FF2B5EF4-FFF2-40B4-BE49-F238E27FC236}">
+                <a16:creationId xmlns:a16="http://schemas.microsoft.com/office/drawing/2014/main" id="{328E0939-8F8B-B43F-DA05-A34B7851B501}"/>
+              </a:ext>
+            </a:extLst>
+          </p:cNvPr>
+          <p:cNvSpPr>
+            <a:spLocks noGrp="1"/>
+          </p:cNvSpPr>
+          <p:nvPr>
+            <p:ph type="ftr" sz="quarter" idx="11"/>
+          </p:nvPr>
+        </p:nvSpPr>
+        <p:spPr/>
+        <p:txBody>
+          <a:bodyPr/>
+          <a:lstStyle/>
+          <a:p>
+            <a:r>
+              <a:rPr lang="en-US"/>
+              <a:t>Or Peretz</a:t>
+            </a:r>
+          </a:p>
+        </p:txBody>
+      </p:sp>
+      <p:sp>
+        <p:nvSpPr>
+          <p:cNvPr id="4" name="מציין מיקום של מספר שקופית 3">
+            <a:extLst>
+              <a:ext uri="{FF2B5EF4-FFF2-40B4-BE49-F238E27FC236}">
+                <a16:creationId xmlns:a16="http://schemas.microsoft.com/office/drawing/2014/main" id="{687CDEA9-10B5-22F5-B8CD-68B31B6E9BBB}"/>
+              </a:ext>
+            </a:extLst>
+          </p:cNvPr>
+          <p:cNvSpPr>
+            <a:spLocks noGrp="1"/>
+          </p:cNvSpPr>
+          <p:nvPr>
+            <p:ph type="sldNum" sz="quarter" idx="12"/>
+          </p:nvPr>
+        </p:nvSpPr>
+        <p:spPr/>
+        <p:txBody>
+          <a:bodyPr/>
+          <a:lstStyle/>
+          <a:p>
+            <a:fld id="{C1FF6DA9-008F-8B48-92A6-B652298478BF}" type="slidenum">
+              <a:rPr lang="en-US" smtClean="0"/>
+              <a:t>4</a:t>
+            </a:fld>
+            <a:endParaRPr lang="en-US"/>
+          </a:p>
+        </p:txBody>
+      </p:sp>
     </p:spTree>
   </p:cSld>
   <p:clrMapOvr>
@@ -3835,6 +4457,63 @@
           </a:p>
         </p:txBody>
       </p:sp>
+      <p:sp>
+        <p:nvSpPr>
+          <p:cNvPr id="7" name="מציין מיקום של כותרת תחתונה 6">
+            <a:extLst>
+              <a:ext uri="{FF2B5EF4-FFF2-40B4-BE49-F238E27FC236}">
+                <a16:creationId xmlns:a16="http://schemas.microsoft.com/office/drawing/2014/main" id="{CB82FDF4-9C9F-22B8-18ED-CF837F49BDEE}"/>
+              </a:ext>
+            </a:extLst>
+          </p:cNvPr>
+          <p:cNvSpPr>
+            <a:spLocks noGrp="1"/>
+          </p:cNvSpPr>
+          <p:nvPr>
+            <p:ph type="ftr" sz="quarter" idx="11"/>
+          </p:nvPr>
+        </p:nvSpPr>
+        <p:spPr/>
+        <p:txBody>
+          <a:bodyPr/>
+          <a:lstStyle/>
+          <a:p>
+            <a:r>
+              <a:rPr lang="en-US"/>
+              <a:t>Or Peretz</a:t>
+            </a:r>
+          </a:p>
+        </p:txBody>
+      </p:sp>
+      <p:sp>
+        <p:nvSpPr>
+          <p:cNvPr id="8" name="מציין מיקום של מספר שקופית 7">
+            <a:extLst>
+              <a:ext uri="{FF2B5EF4-FFF2-40B4-BE49-F238E27FC236}">
+                <a16:creationId xmlns:a16="http://schemas.microsoft.com/office/drawing/2014/main" id="{DC0FE5F5-87D6-AECA-801A-14FB02FB2040}"/>
+              </a:ext>
+            </a:extLst>
+          </p:cNvPr>
+          <p:cNvSpPr>
+            <a:spLocks noGrp="1"/>
+          </p:cNvSpPr>
+          <p:nvPr>
+            <p:ph type="sldNum" sz="quarter" idx="12"/>
+          </p:nvPr>
+        </p:nvSpPr>
+        <p:spPr/>
+        <p:txBody>
+          <a:bodyPr/>
+          <a:lstStyle/>
+          <a:p>
+            <a:fld id="{C1FF6DA9-008F-8B48-92A6-B652298478BF}" type="slidenum">
+              <a:rPr lang="en-US" smtClean="0"/>
+              <a:t>5</a:t>
+            </a:fld>
+            <a:endParaRPr lang="en-US"/>
+          </a:p>
+        </p:txBody>
+      </p:sp>
     </p:spTree>
   </p:cSld>
   <p:clrMapOvr>
@@ -3895,6 +4574,63 @@
           <a:lstStyle/>
           <a:p>
             <a:endParaRPr/>
+          </a:p>
+        </p:txBody>
+      </p:sp>
+      <p:sp>
+        <p:nvSpPr>
+          <p:cNvPr id="4" name="מציין מיקום של כותרת תחתונה 3">
+            <a:extLst>
+              <a:ext uri="{FF2B5EF4-FFF2-40B4-BE49-F238E27FC236}">
+                <a16:creationId xmlns:a16="http://schemas.microsoft.com/office/drawing/2014/main" id="{CFB49C87-11C1-D17C-A9D7-503E6331109C}"/>
+              </a:ext>
+            </a:extLst>
+          </p:cNvPr>
+          <p:cNvSpPr>
+            <a:spLocks noGrp="1"/>
+          </p:cNvSpPr>
+          <p:nvPr>
+            <p:ph type="ftr" sz="quarter" idx="11"/>
+          </p:nvPr>
+        </p:nvSpPr>
+        <p:spPr/>
+        <p:txBody>
+          <a:bodyPr/>
+          <a:lstStyle/>
+          <a:p>
+            <a:r>
+              <a:rPr lang="en-US"/>
+              <a:t>Or Peretz</a:t>
+            </a:r>
+          </a:p>
+        </p:txBody>
+      </p:sp>
+      <p:sp>
+        <p:nvSpPr>
+          <p:cNvPr id="5" name="מציין מיקום של מספר שקופית 4">
+            <a:extLst>
+              <a:ext uri="{FF2B5EF4-FFF2-40B4-BE49-F238E27FC236}">
+                <a16:creationId xmlns:a16="http://schemas.microsoft.com/office/drawing/2014/main" id="{5678E26E-66E1-047D-0890-F9E4A06586E1}"/>
+              </a:ext>
+            </a:extLst>
+          </p:cNvPr>
+          <p:cNvSpPr>
+            <a:spLocks noGrp="1"/>
+          </p:cNvSpPr>
+          <p:nvPr>
+            <p:ph type="sldNum" sz="quarter" idx="12"/>
+          </p:nvPr>
+        </p:nvSpPr>
+        <p:spPr/>
+        <p:txBody>
+          <a:bodyPr/>
+          <a:lstStyle/>
+          <a:p>
+            <a:fld id="{C1FF6DA9-008F-8B48-92A6-B652298478BF}" type="slidenum">
+              <a:rPr lang="en-US" smtClean="0"/>
+              <a:t>6</a:t>
+            </a:fld>
+            <a:endParaRPr lang="en-US"/>
           </a:p>
         </p:txBody>
       </p:sp>
@@ -4539,4 +5275,319 @@
     </a:ext>
   </a:extLst>
 </a:theme>
+</file>
+
+<file path=ppt/theme/theme3.xml><?xml version="1.0" encoding="utf-8"?>
+<a:theme xmlns:a="http://schemas.openxmlformats.org/drawingml/2006/main" name="ערכת נושא Office">
+  <a:themeElements>
+    <a:clrScheme name="Office">
+      <a:dk1>
+        <a:sysClr val="windowText" lastClr="000000"/>
+      </a:dk1>
+      <a:lt1>
+        <a:sysClr val="window" lastClr="FFFFFF"/>
+      </a:lt1>
+      <a:dk2>
+        <a:srgbClr val="0E2841"/>
+      </a:dk2>
+      <a:lt2>
+        <a:srgbClr val="E8E8E8"/>
+      </a:lt2>
+      <a:accent1>
+        <a:srgbClr val="156082"/>
+      </a:accent1>
+      <a:accent2>
+        <a:srgbClr val="E97132"/>
+      </a:accent2>
+      <a:accent3>
+        <a:srgbClr val="196B24"/>
+      </a:accent3>
+      <a:accent4>
+        <a:srgbClr val="0F9ED5"/>
+      </a:accent4>
+      <a:accent5>
+        <a:srgbClr val="A02B93"/>
+      </a:accent5>
+      <a:accent6>
+        <a:srgbClr val="4EA72E"/>
+      </a:accent6>
+      <a:hlink>
+        <a:srgbClr val="467886"/>
+      </a:hlink>
+      <a:folHlink>
+        <a:srgbClr val="96607D"/>
+      </a:folHlink>
+    </a:clrScheme>
+    <a:fontScheme name="Office">
+      <a:majorFont>
+        <a:latin typeface="Aptos Display" panose="02110004020202020204"/>
+        <a:ea typeface=""/>
+        <a:cs typeface=""/>
+        <a:font script="Jpan" typeface="游ゴシック Light"/>
+        <a:font script="Hang" typeface="맑은 고딕"/>
+        <a:font script="Hans" typeface="等线 Light"/>
+        <a:font script="Hant" typeface="新細明體"/>
+        <a:font script="Arab" typeface="Times New Roman"/>
+        <a:font script="Hebr" typeface="Times New Roman"/>
+        <a:font script="Thai" typeface="Angsana New"/>
+        <a:font script="Ethi" typeface="Nyala"/>
+        <a:font script="Beng" typeface="Vrinda"/>
+        <a:font script="Gujr" typeface="Shruti"/>
+        <a:font script="Khmr" typeface="MoolBoran"/>
+        <a:font script="Knda" typeface="Tunga"/>
+        <a:font script="Guru" typeface="Raavi"/>
+        <a:font script="Cans" typeface="Euphemia"/>
+        <a:font script="Cher" typeface="Plantagenet Cherokee"/>
+        <a:font script="Yiii" typeface="Microsoft Yi Baiti"/>
+        <a:font script="Tibt" typeface="Microsoft Himalaya"/>
+        <a:font script="Thaa" typeface="MV Boli"/>
+        <a:font script="Deva" typeface="Mangal"/>
+        <a:font script="Telu" typeface="Gautami"/>
+        <a:font script="Taml" typeface="Latha"/>
+        <a:font script="Syrc" typeface="Estrangelo Edessa"/>
+        <a:font script="Orya" typeface="Kalinga"/>
+        <a:font script="Mlym" typeface="Kartika"/>
+        <a:font script="Laoo" typeface="DokChampa"/>
+        <a:font script="Sinh" typeface="Iskoola Pota"/>
+        <a:font script="Mong" typeface="Mongolian Baiti"/>
+        <a:font script="Viet" typeface="Times New Roman"/>
+        <a:font script="Uigh" typeface="Microsoft Uighur"/>
+        <a:font script="Geor" typeface="Sylfaen"/>
+        <a:font script="Armn" typeface="Arial"/>
+        <a:font script="Bugi" typeface="Leelawadee UI"/>
+        <a:font script="Bopo" typeface="Microsoft JhengHei"/>
+        <a:font script="Java" typeface="Javanese Text"/>
+        <a:font script="Lisu" typeface="Segoe UI"/>
+        <a:font script="Mymr" typeface="Myanmar Text"/>
+        <a:font script="Nkoo" typeface="Ebrima"/>
+        <a:font script="Olck" typeface="Nirmala UI"/>
+        <a:font script="Osma" typeface="Ebrima"/>
+        <a:font script="Phag" typeface="Phagspa"/>
+        <a:font script="Syrn" typeface="Estrangelo Edessa"/>
+        <a:font script="Syrj" typeface="Estrangelo Edessa"/>
+        <a:font script="Syre" typeface="Estrangelo Edessa"/>
+        <a:font script="Sora" typeface="Nirmala UI"/>
+        <a:font script="Tale" typeface="Microsoft Tai Le"/>
+        <a:font script="Talu" typeface="Microsoft New Tai Lue"/>
+        <a:font script="Tfng" typeface="Ebrima"/>
+      </a:majorFont>
+      <a:minorFont>
+        <a:latin typeface="Aptos" panose="02110004020202020204"/>
+        <a:ea typeface=""/>
+        <a:cs typeface=""/>
+        <a:font script="Jpan" typeface="游ゴシック"/>
+        <a:font script="Hang" typeface="맑은 고딕"/>
+        <a:font script="Hans" typeface="等线"/>
+        <a:font script="Hant" typeface="新細明體"/>
+        <a:font script="Arab" typeface="Arial"/>
+        <a:font script="Hebr" typeface="Arial"/>
+        <a:font script="Thai" typeface="Cordia New"/>
+        <a:font script="Ethi" typeface="Nyala"/>
+        <a:font script="Beng" typeface="Vrinda"/>
+        <a:font script="Gujr" typeface="Shruti"/>
+        <a:font script="Khmr" typeface="DaunPenh"/>
+        <a:font script="Knda" typeface="Tunga"/>
+        <a:font script="Guru" typeface="Raavi"/>
+        <a:font script="Cans" typeface="Euphemia"/>
+        <a:font script="Cher" typeface="Plantagenet Cherokee"/>
+        <a:font script="Yiii" typeface="Microsoft Yi Baiti"/>
+        <a:font script="Tibt" typeface="Microsoft Himalaya"/>
+        <a:font script="Thaa" typeface="MV Boli"/>
+        <a:font script="Deva" typeface="Mangal"/>
+        <a:font script="Telu" typeface="Gautami"/>
+        <a:font script="Taml" typeface="Latha"/>
+        <a:font script="Syrc" typeface="Estrangelo Edessa"/>
+        <a:font script="Orya" typeface="Kalinga"/>
+        <a:font script="Mlym" typeface="Kartika"/>
+        <a:font script="Laoo" typeface="DokChampa"/>
+        <a:font script="Sinh" typeface="Iskoola Pota"/>
+        <a:font script="Mong" typeface="Mongolian Baiti"/>
+        <a:font script="Viet" typeface="Arial"/>
+        <a:font script="Uigh" typeface="Microsoft Uighur"/>
+        <a:font script="Geor" typeface="Sylfaen"/>
+        <a:font script="Armn" typeface="Arial"/>
+        <a:font script="Bugi" typeface="Leelawadee UI"/>
+        <a:font script="Bopo" typeface="Microsoft JhengHei"/>
+        <a:font script="Java" typeface="Javanese Text"/>
+        <a:font script="Lisu" typeface="Segoe UI"/>
+        <a:font script="Mymr" typeface="Myanmar Text"/>
+        <a:font script="Nkoo" typeface="Ebrima"/>
+        <a:font script="Olck" typeface="Nirmala UI"/>
+        <a:font script="Osma" typeface="Ebrima"/>
+        <a:font script="Phag" typeface="Phagspa"/>
+        <a:font script="Syrn" typeface="Estrangelo Edessa"/>
+        <a:font script="Syrj" typeface="Estrangelo Edessa"/>
+        <a:font script="Syre" typeface="Estrangelo Edessa"/>
+        <a:font script="Sora" typeface="Nirmala UI"/>
+        <a:font script="Tale" typeface="Microsoft Tai Le"/>
+        <a:font script="Talu" typeface="Microsoft New Tai Lue"/>
+        <a:font script="Tfng" typeface="Ebrima"/>
+      </a:minorFont>
+    </a:fontScheme>
+    <a:fmtScheme name="Office">
+      <a:fillStyleLst>
+        <a:solidFill>
+          <a:schemeClr val="phClr"/>
+        </a:solidFill>
+        <a:gradFill rotWithShape="1">
+          <a:gsLst>
+            <a:gs pos="0">
+              <a:schemeClr val="phClr">
+                <a:lumMod val="110000"/>
+                <a:satMod val="105000"/>
+                <a:tint val="67000"/>
+              </a:schemeClr>
+            </a:gs>
+            <a:gs pos="50000">
+              <a:schemeClr val="phClr">
+                <a:lumMod val="105000"/>
+                <a:satMod val="103000"/>
+                <a:tint val="73000"/>
+              </a:schemeClr>
+            </a:gs>
+            <a:gs pos="100000">
+              <a:schemeClr val="phClr">
+                <a:lumMod val="105000"/>
+                <a:satMod val="109000"/>
+                <a:tint val="81000"/>
+              </a:schemeClr>
+            </a:gs>
+          </a:gsLst>
+          <a:lin ang="5400000" scaled="0"/>
+        </a:gradFill>
+        <a:gradFill rotWithShape="1">
+          <a:gsLst>
+            <a:gs pos="0">
+              <a:schemeClr val="phClr">
+                <a:satMod val="103000"/>
+                <a:lumMod val="102000"/>
+                <a:tint val="94000"/>
+              </a:schemeClr>
+            </a:gs>
+            <a:gs pos="50000">
+              <a:schemeClr val="phClr">
+                <a:satMod val="110000"/>
+                <a:lumMod val="100000"/>
+                <a:shade val="100000"/>
+              </a:schemeClr>
+            </a:gs>
+            <a:gs pos="100000">
+              <a:schemeClr val="phClr">
+                <a:lumMod val="99000"/>
+                <a:satMod val="120000"/>
+                <a:shade val="78000"/>
+              </a:schemeClr>
+            </a:gs>
+          </a:gsLst>
+          <a:lin ang="5400000" scaled="0"/>
+        </a:gradFill>
+      </a:fillStyleLst>
+      <a:lnStyleLst>
+        <a:ln w="12700" cap="flat" cmpd="sng" algn="ctr">
+          <a:solidFill>
+            <a:schemeClr val="phClr"/>
+          </a:solidFill>
+          <a:prstDash val="solid"/>
+          <a:miter lim="800000"/>
+        </a:ln>
+        <a:ln w="19050" cap="flat" cmpd="sng" algn="ctr">
+          <a:solidFill>
+            <a:schemeClr val="phClr"/>
+          </a:solidFill>
+          <a:prstDash val="solid"/>
+          <a:miter lim="800000"/>
+        </a:ln>
+        <a:ln w="25400" cap="flat" cmpd="sng" algn="ctr">
+          <a:solidFill>
+            <a:schemeClr val="phClr"/>
+          </a:solidFill>
+          <a:prstDash val="solid"/>
+          <a:miter lim="800000"/>
+        </a:ln>
+      </a:lnStyleLst>
+      <a:effectStyleLst>
+        <a:effectStyle>
+          <a:effectLst/>
+        </a:effectStyle>
+        <a:effectStyle>
+          <a:effectLst/>
+        </a:effectStyle>
+        <a:effectStyle>
+          <a:effectLst>
+            <a:outerShdw blurRad="57150" dist="19050" dir="5400000" algn="ctr" rotWithShape="0">
+              <a:srgbClr val="000000">
+                <a:alpha val="63000"/>
+              </a:srgbClr>
+            </a:outerShdw>
+          </a:effectLst>
+        </a:effectStyle>
+      </a:effectStyleLst>
+      <a:bgFillStyleLst>
+        <a:solidFill>
+          <a:schemeClr val="phClr"/>
+        </a:solidFill>
+        <a:solidFill>
+          <a:schemeClr val="phClr">
+            <a:tint val="95000"/>
+            <a:satMod val="170000"/>
+          </a:schemeClr>
+        </a:solidFill>
+        <a:gradFill rotWithShape="1">
+          <a:gsLst>
+            <a:gs pos="0">
+              <a:schemeClr val="phClr">
+                <a:tint val="93000"/>
+                <a:satMod val="150000"/>
+                <a:shade val="98000"/>
+                <a:lumMod val="102000"/>
+              </a:schemeClr>
+            </a:gs>
+            <a:gs pos="50000">
+              <a:schemeClr val="phClr">
+                <a:tint val="98000"/>
+                <a:satMod val="130000"/>
+                <a:shade val="90000"/>
+                <a:lumMod val="103000"/>
+              </a:schemeClr>
+            </a:gs>
+            <a:gs pos="100000">
+              <a:schemeClr val="phClr">
+                <a:shade val="63000"/>
+                <a:satMod val="120000"/>
+              </a:schemeClr>
+            </a:gs>
+          </a:gsLst>
+          <a:lin ang="5400000" scaled="0"/>
+        </a:gradFill>
+      </a:bgFillStyleLst>
+    </a:fmtScheme>
+  </a:themeElements>
+  <a:objectDefaults>
+    <a:lnDef>
+      <a:spPr/>
+      <a:bodyPr/>
+      <a:lstStyle/>
+      <a:style>
+        <a:lnRef idx="2">
+          <a:schemeClr val="accent1"/>
+        </a:lnRef>
+        <a:fillRef idx="0">
+          <a:schemeClr val="accent1"/>
+        </a:fillRef>
+        <a:effectRef idx="1">
+          <a:schemeClr val="accent1"/>
+        </a:effectRef>
+        <a:fontRef idx="minor">
+          <a:schemeClr val="tx1"/>
+        </a:fontRef>
+      </a:style>
+    </a:lnDef>
+  </a:objectDefaults>
+  <a:extraClrSchemeLst/>
+  <a:extLst>
+    <a:ext uri="{05A4C25C-085E-4340-85A3-A5531E510DB2}">
+      <thm15:themeFamily xmlns:thm15="http://schemas.microsoft.com/office/thememl/2012/main" name="Office Theme" id="{2E142A2C-CD16-42D6-873A-C26D2A0506FA}" vid="{1BDDFF52-6CD6-40A5-AB3C-68EB2F1E4D0A}"/>
+    </a:ext>
+  </a:extLst>
+</a:theme>
 </file>